--- a/CSI1004 Computer Oraganization and Architectre/Suresh Kumar/cache_performance.pptx
+++ b/CSI1004 Computer Oraganization and Architectre/Suresh Kumar/cache_performance.pptx
@@ -5,7 +5,7 @@
     <p:sldMasterId id="2147483648" r:id="rId1"/>
   </p:sldMasterIdLst>
   <p:notesMasterIdLst>
-    <p:notesMasterId r:id="rId26"/>
+    <p:notesMasterId r:id="rId25"/>
   </p:notesMasterIdLst>
   <p:sldIdLst>
     <p:sldId id="257" r:id="rId2"/>
@@ -31,7 +31,6 @@
     <p:sldId id="277" r:id="rId22"/>
     <p:sldId id="278" r:id="rId23"/>
     <p:sldId id="279" r:id="rId24"/>
-    <p:sldId id="280" r:id="rId25"/>
   </p:sldIdLst>
   <p:sldSz cx="12192000" cy="6858000"/>
   <p:notesSz cx="6858000" cy="9144000"/>
@@ -132,7 +131,18 @@
   </p:defaultTextStyle>
   <p:extLst>
     <p:ext uri="{EFAFB233-063F-42B5-8137-9DF3F51BA10A}">
-      <p15:sldGuideLst xmlns:p15="http://schemas.microsoft.com/office/powerpoint/2012/main" xmlns=""/>
+      <p15:sldGuideLst xmlns:p15="http://schemas.microsoft.com/office/powerpoint/2012/main">
+        <p15:guide id="1" orient="horz" pos="2160">
+          <p15:clr>
+            <a:srgbClr val="A4A3A4"/>
+          </p15:clr>
+        </p15:guide>
+        <p15:guide id="2" pos="3840">
+          <p15:clr>
+            <a:srgbClr val="A4A3A4"/>
+          </p15:clr>
+        </p15:guide>
+      </p15:sldGuideLst>
     </p:ext>
   </p:extLst>
 </p:presentation>
@@ -221,7 +231,7 @@
             <a:fld id="{59D10B32-037B-4DAA-AAF8-C4B7E848743A}" type="datetimeFigureOut">
               <a:rPr lang="en-IN" smtClean="0"/>
               <a:pPr/>
-              <a:t>13-09-2020</a:t>
+              <a:t>16-01-2021</a:t>
             </a:fld>
             <a:endParaRPr lang="en-IN"/>
           </a:p>
@@ -285,35 +295,35 @@
           <a:p>
             <a:pPr lvl="0"/>
             <a:r>
-              <a:rPr lang="en-US" smtClean="0"/>
+              <a:rPr lang="en-US"/>
               <a:t>Click to edit Master text styles</a:t>
             </a:r>
           </a:p>
           <a:p>
             <a:pPr lvl="1"/>
             <a:r>
-              <a:rPr lang="en-US" smtClean="0"/>
+              <a:rPr lang="en-US"/>
               <a:t>Second level</a:t>
             </a:r>
           </a:p>
           <a:p>
             <a:pPr lvl="2"/>
             <a:r>
-              <a:rPr lang="en-US" smtClean="0"/>
+              <a:rPr lang="en-US"/>
               <a:t>Third level</a:t>
             </a:r>
           </a:p>
           <a:p>
             <a:pPr lvl="3"/>
             <a:r>
-              <a:rPr lang="en-US" smtClean="0"/>
+              <a:rPr lang="en-US"/>
               <a:t>Fourth level</a:t>
             </a:r>
           </a:p>
           <a:p>
             <a:pPr lvl="4"/>
             <a:r>
-              <a:rPr lang="en-US" smtClean="0"/>
+              <a:rPr lang="en-US"/>
               <a:t>Fifth level</a:t>
             </a:r>
             <a:endParaRPr lang="en-IN"/>
@@ -390,7 +400,7 @@
     </p:spTree>
     <p:extLst>
       <p:ext uri="{BB962C8B-B14F-4D97-AF65-F5344CB8AC3E}">
-        <p14:creationId xmlns:p14="http://schemas.microsoft.com/office/powerpoint/2010/main" xmlns="" val="4147987099"/>
+        <p14:creationId xmlns:p14="http://schemas.microsoft.com/office/powerpoint/2010/main" val="4147987099"/>
       </p:ext>
     </p:extLst>
   </p:cSld>
@@ -522,14 +532,14 @@
           <a:ln/>
           <a:extLst>
             <a:ext uri="{909E8E84-426E-40DD-AFC4-6F175D3DCCD1}">
-              <a14:hiddenFill xmlns:a14="http://schemas.microsoft.com/office/drawing/2010/main" xmlns="">
+              <a14:hiddenFill xmlns:a14="http://schemas.microsoft.com/office/drawing/2010/main">
                 <a:solidFill>
                   <a:srgbClr val="FFFFFF"/>
                 </a:solidFill>
               </a14:hiddenFill>
             </a:ext>
             <a:ext uri="{91240B29-F687-4F45-9708-019B960494DF}">
-              <a14:hiddenLine xmlns:a14="http://schemas.microsoft.com/office/drawing/2010/main" xmlns="" w="9525">
+              <a14:hiddenLine xmlns:a14="http://schemas.microsoft.com/office/drawing/2010/main" w="9525">
                 <a:solidFill>
                   <a:srgbClr val="000000"/>
                 </a:solidFill>
@@ -680,14 +690,14 @@
           <a:ln/>
           <a:extLst>
             <a:ext uri="{909E8E84-426E-40DD-AFC4-6F175D3DCCD1}">
-              <a14:hiddenFill xmlns:a14="http://schemas.microsoft.com/office/drawing/2010/main" xmlns="">
+              <a14:hiddenFill xmlns:a14="http://schemas.microsoft.com/office/drawing/2010/main">
                 <a:solidFill>
                   <a:srgbClr val="FFFFFF"/>
                 </a:solidFill>
               </a14:hiddenFill>
             </a:ext>
             <a:ext uri="{91240B29-F687-4F45-9708-019B960494DF}">
-              <a14:hiddenLine xmlns:a14="http://schemas.microsoft.com/office/drawing/2010/main" xmlns="" w="9525">
+              <a14:hiddenLine xmlns:a14="http://schemas.microsoft.com/office/drawing/2010/main" w="9525">
                 <a:solidFill>
                   <a:srgbClr val="000000"/>
                 </a:solidFill>
@@ -703,7 +713,7 @@
           <a:lstStyle/>
           <a:p>
             <a:pPr eaLnBrk="1" hangingPunct="1"/>
-            <a:endParaRPr lang="en-US" altLang="en-US" smtClean="0">
+            <a:endParaRPr lang="en-US" altLang="en-US">
               <a:latin typeface="Arial" panose="020B0604020202020204" pitchFamily="34" charset="0"/>
             </a:endParaRPr>
           </a:p>
@@ -712,7 +722,7 @@
     </p:spTree>
     <p:extLst>
       <p:ext uri="{BB962C8B-B14F-4D97-AF65-F5344CB8AC3E}">
-        <p14:creationId xmlns:p14="http://schemas.microsoft.com/office/powerpoint/2010/main" xmlns="" val="1501266236"/>
+        <p14:creationId xmlns:p14="http://schemas.microsoft.com/office/powerpoint/2010/main" val="1501266236"/>
       </p:ext>
     </p:extLst>
   </p:cSld>
@@ -754,14 +764,14 @@
           <a:ln/>
           <a:extLst>
             <a:ext uri="{909E8E84-426E-40DD-AFC4-6F175D3DCCD1}">
-              <a14:hiddenFill xmlns:a14="http://schemas.microsoft.com/office/drawing/2010/main" xmlns="">
+              <a14:hiddenFill xmlns:a14="http://schemas.microsoft.com/office/drawing/2010/main">
                 <a:solidFill>
                   <a:srgbClr val="FFFFFF"/>
                 </a:solidFill>
               </a14:hiddenFill>
             </a:ext>
             <a:ext uri="{91240B29-F687-4F45-9708-019B960494DF}">
-              <a14:hiddenLine xmlns:a14="http://schemas.microsoft.com/office/drawing/2010/main" xmlns="" w="9525">
+              <a14:hiddenLine xmlns:a14="http://schemas.microsoft.com/office/drawing/2010/main" w="9525">
                 <a:solidFill>
                   <a:srgbClr val="000000"/>
                 </a:solidFill>
@@ -912,14 +922,14 @@
           <a:ln/>
           <a:extLst>
             <a:ext uri="{909E8E84-426E-40DD-AFC4-6F175D3DCCD1}">
-              <a14:hiddenFill xmlns:a14="http://schemas.microsoft.com/office/drawing/2010/main" xmlns="">
+              <a14:hiddenFill xmlns:a14="http://schemas.microsoft.com/office/drawing/2010/main">
                 <a:solidFill>
                   <a:srgbClr val="FFFFFF"/>
                 </a:solidFill>
               </a14:hiddenFill>
             </a:ext>
             <a:ext uri="{91240B29-F687-4F45-9708-019B960494DF}">
-              <a14:hiddenLine xmlns:a14="http://schemas.microsoft.com/office/drawing/2010/main" xmlns="" w="9525">
+              <a14:hiddenLine xmlns:a14="http://schemas.microsoft.com/office/drawing/2010/main" w="9525">
                 <a:solidFill>
                   <a:srgbClr val="000000"/>
                 </a:solidFill>
@@ -935,7 +945,7 @@
           <a:lstStyle/>
           <a:p>
             <a:pPr eaLnBrk="1" hangingPunct="1"/>
-            <a:endParaRPr lang="en-US" altLang="en-US" smtClean="0">
+            <a:endParaRPr lang="en-US" altLang="en-US">
               <a:latin typeface="Arial" panose="020B0604020202020204" pitchFamily="34" charset="0"/>
             </a:endParaRPr>
           </a:p>
@@ -944,7 +954,7 @@
     </p:spTree>
     <p:extLst>
       <p:ext uri="{BB962C8B-B14F-4D97-AF65-F5344CB8AC3E}">
-        <p14:creationId xmlns:p14="http://schemas.microsoft.com/office/powerpoint/2010/main" xmlns="" val="3798731001"/>
+        <p14:creationId xmlns:p14="http://schemas.microsoft.com/office/powerpoint/2010/main" val="3798731001"/>
       </p:ext>
     </p:extLst>
   </p:cSld>
@@ -986,14 +996,14 @@
           <a:ln/>
           <a:extLst>
             <a:ext uri="{909E8E84-426E-40DD-AFC4-6F175D3DCCD1}">
-              <a14:hiddenFill xmlns:a14="http://schemas.microsoft.com/office/drawing/2010/main" xmlns="">
+              <a14:hiddenFill xmlns:a14="http://schemas.microsoft.com/office/drawing/2010/main">
                 <a:solidFill>
                   <a:srgbClr val="FFFFFF"/>
                 </a:solidFill>
               </a14:hiddenFill>
             </a:ext>
             <a:ext uri="{91240B29-F687-4F45-9708-019B960494DF}">
-              <a14:hiddenLine xmlns:a14="http://schemas.microsoft.com/office/drawing/2010/main" xmlns="" w="9525">
+              <a14:hiddenLine xmlns:a14="http://schemas.microsoft.com/office/drawing/2010/main" w="9525">
                 <a:solidFill>
                   <a:srgbClr val="000000"/>
                 </a:solidFill>
@@ -1144,14 +1154,14 @@
           <a:ln/>
           <a:extLst>
             <a:ext uri="{909E8E84-426E-40DD-AFC4-6F175D3DCCD1}">
-              <a14:hiddenFill xmlns:a14="http://schemas.microsoft.com/office/drawing/2010/main" xmlns="">
+              <a14:hiddenFill xmlns:a14="http://schemas.microsoft.com/office/drawing/2010/main">
                 <a:solidFill>
                   <a:srgbClr val="FFFFFF"/>
                 </a:solidFill>
               </a14:hiddenFill>
             </a:ext>
             <a:ext uri="{91240B29-F687-4F45-9708-019B960494DF}">
-              <a14:hiddenLine xmlns:a14="http://schemas.microsoft.com/office/drawing/2010/main" xmlns="" w="9525">
+              <a14:hiddenLine xmlns:a14="http://schemas.microsoft.com/office/drawing/2010/main" w="9525">
                 <a:solidFill>
                   <a:srgbClr val="000000"/>
                 </a:solidFill>
@@ -1167,7 +1177,7 @@
           <a:lstStyle/>
           <a:p>
             <a:pPr eaLnBrk="1" hangingPunct="1"/>
-            <a:endParaRPr lang="en-US" altLang="en-US" smtClean="0">
+            <a:endParaRPr lang="en-US" altLang="en-US">
               <a:latin typeface="Arial" panose="020B0604020202020204" pitchFamily="34" charset="0"/>
             </a:endParaRPr>
           </a:p>
@@ -1176,7 +1186,7 @@
     </p:spTree>
     <p:extLst>
       <p:ext uri="{BB962C8B-B14F-4D97-AF65-F5344CB8AC3E}">
-        <p14:creationId xmlns:p14="http://schemas.microsoft.com/office/powerpoint/2010/main" xmlns="" val="460453143"/>
+        <p14:creationId xmlns:p14="http://schemas.microsoft.com/office/powerpoint/2010/main" val="460453143"/>
       </p:ext>
     </p:extLst>
   </p:cSld>
@@ -1218,14 +1228,14 @@
           <a:ln/>
           <a:extLst>
             <a:ext uri="{909E8E84-426E-40DD-AFC4-6F175D3DCCD1}">
-              <a14:hiddenFill xmlns:a14="http://schemas.microsoft.com/office/drawing/2010/main" xmlns="">
+              <a14:hiddenFill xmlns:a14="http://schemas.microsoft.com/office/drawing/2010/main">
                 <a:solidFill>
                   <a:srgbClr val="FFFFFF"/>
                 </a:solidFill>
               </a14:hiddenFill>
             </a:ext>
             <a:ext uri="{91240B29-F687-4F45-9708-019B960494DF}">
-              <a14:hiddenLine xmlns:a14="http://schemas.microsoft.com/office/drawing/2010/main" xmlns="" w="9525">
+              <a14:hiddenLine xmlns:a14="http://schemas.microsoft.com/office/drawing/2010/main" w="9525">
                 <a:solidFill>
                   <a:srgbClr val="000000"/>
                 </a:solidFill>
@@ -1376,14 +1386,14 @@
           <a:ln/>
           <a:extLst>
             <a:ext uri="{909E8E84-426E-40DD-AFC4-6F175D3DCCD1}">
-              <a14:hiddenFill xmlns:a14="http://schemas.microsoft.com/office/drawing/2010/main" xmlns="">
+              <a14:hiddenFill xmlns:a14="http://schemas.microsoft.com/office/drawing/2010/main">
                 <a:solidFill>
                   <a:srgbClr val="FFFFFF"/>
                 </a:solidFill>
               </a14:hiddenFill>
             </a:ext>
             <a:ext uri="{91240B29-F687-4F45-9708-019B960494DF}">
-              <a14:hiddenLine xmlns:a14="http://schemas.microsoft.com/office/drawing/2010/main" xmlns="" w="9525">
+              <a14:hiddenLine xmlns:a14="http://schemas.microsoft.com/office/drawing/2010/main" w="9525">
                 <a:solidFill>
                   <a:srgbClr val="000000"/>
                 </a:solidFill>
@@ -1399,7 +1409,7 @@
           <a:lstStyle/>
           <a:p>
             <a:pPr eaLnBrk="1" hangingPunct="1"/>
-            <a:endParaRPr lang="en-US" altLang="en-US" smtClean="0">
+            <a:endParaRPr lang="en-US" altLang="en-US">
               <a:latin typeface="Arial" panose="020B0604020202020204" pitchFamily="34" charset="0"/>
             </a:endParaRPr>
           </a:p>
@@ -1427,14 +1437,14 @@
           </a:ln>
           <a:extLst>
             <a:ext uri="{909E8E84-426E-40DD-AFC4-6F175D3DCCD1}">
-              <a14:hiddenFill xmlns:a14="http://schemas.microsoft.com/office/drawing/2010/main" xmlns="">
+              <a14:hiddenFill xmlns:a14="http://schemas.microsoft.com/office/drawing/2010/main">
                 <a:solidFill>
                   <a:srgbClr val="FFFFFF"/>
                 </a:solidFill>
               </a14:hiddenFill>
             </a:ext>
             <a:ext uri="{91240B29-F687-4F45-9708-019B960494DF}">
-              <a14:hiddenLine xmlns:a14="http://schemas.microsoft.com/office/drawing/2010/main" xmlns="" w="9525">
+              <a14:hiddenLine xmlns:a14="http://schemas.microsoft.com/office/drawing/2010/main" w="9525">
                 <a:solidFill>
                   <a:srgbClr val="000000"/>
                 </a:solidFill>
@@ -1559,7 +1569,7 @@
     </p:spTree>
     <p:extLst>
       <p:ext uri="{BB962C8B-B14F-4D97-AF65-F5344CB8AC3E}">
-        <p14:creationId xmlns:p14="http://schemas.microsoft.com/office/powerpoint/2010/main" xmlns="" val="2236514170"/>
+        <p14:creationId xmlns:p14="http://schemas.microsoft.com/office/powerpoint/2010/main" val="2236514170"/>
       </p:ext>
     </p:extLst>
   </p:cSld>
@@ -1601,14 +1611,14 @@
           <a:ln/>
           <a:extLst>
             <a:ext uri="{909E8E84-426E-40DD-AFC4-6F175D3DCCD1}">
-              <a14:hiddenFill xmlns:a14="http://schemas.microsoft.com/office/drawing/2010/main" xmlns="">
+              <a14:hiddenFill xmlns:a14="http://schemas.microsoft.com/office/drawing/2010/main">
                 <a:solidFill>
                   <a:srgbClr val="FFFFFF"/>
                 </a:solidFill>
               </a14:hiddenFill>
             </a:ext>
             <a:ext uri="{91240B29-F687-4F45-9708-019B960494DF}">
-              <a14:hiddenLine xmlns:a14="http://schemas.microsoft.com/office/drawing/2010/main" xmlns="" w="9525">
+              <a14:hiddenLine xmlns:a14="http://schemas.microsoft.com/office/drawing/2010/main" w="9525">
                 <a:solidFill>
                   <a:srgbClr val="000000"/>
                 </a:solidFill>
@@ -1759,14 +1769,14 @@
           <a:ln/>
           <a:extLst>
             <a:ext uri="{909E8E84-426E-40DD-AFC4-6F175D3DCCD1}">
-              <a14:hiddenFill xmlns:a14="http://schemas.microsoft.com/office/drawing/2010/main" xmlns="">
+              <a14:hiddenFill xmlns:a14="http://schemas.microsoft.com/office/drawing/2010/main">
                 <a:solidFill>
                   <a:srgbClr val="FFFFFF"/>
                 </a:solidFill>
               </a14:hiddenFill>
             </a:ext>
             <a:ext uri="{91240B29-F687-4F45-9708-019B960494DF}">
-              <a14:hiddenLine xmlns:a14="http://schemas.microsoft.com/office/drawing/2010/main" xmlns="" w="9525">
+              <a14:hiddenLine xmlns:a14="http://schemas.microsoft.com/office/drawing/2010/main" w="9525">
                 <a:solidFill>
                   <a:srgbClr val="000000"/>
                 </a:solidFill>
@@ -1782,7 +1792,7 @@
           <a:lstStyle/>
           <a:p>
             <a:pPr eaLnBrk="1" hangingPunct="1"/>
-            <a:endParaRPr lang="en-US" altLang="en-US" smtClean="0">
+            <a:endParaRPr lang="en-US" altLang="en-US">
               <a:latin typeface="Arial" panose="020B0604020202020204" pitchFamily="34" charset="0"/>
             </a:endParaRPr>
           </a:p>
@@ -1810,14 +1820,14 @@
           </a:ln>
           <a:extLst>
             <a:ext uri="{909E8E84-426E-40DD-AFC4-6F175D3DCCD1}">
-              <a14:hiddenFill xmlns:a14="http://schemas.microsoft.com/office/drawing/2010/main" xmlns="">
+              <a14:hiddenFill xmlns:a14="http://schemas.microsoft.com/office/drawing/2010/main">
                 <a:solidFill>
                   <a:srgbClr val="FFFFFF"/>
                 </a:solidFill>
               </a14:hiddenFill>
             </a:ext>
             <a:ext uri="{91240B29-F687-4F45-9708-019B960494DF}">
-              <a14:hiddenLine xmlns:a14="http://schemas.microsoft.com/office/drawing/2010/main" xmlns="" w="9525">
+              <a14:hiddenLine xmlns:a14="http://schemas.microsoft.com/office/drawing/2010/main" w="9525">
                 <a:solidFill>
                   <a:srgbClr val="000000"/>
                 </a:solidFill>
@@ -1942,7 +1952,7 @@
     </p:spTree>
     <p:extLst>
       <p:ext uri="{BB962C8B-B14F-4D97-AF65-F5344CB8AC3E}">
-        <p14:creationId xmlns:p14="http://schemas.microsoft.com/office/powerpoint/2010/main" xmlns="" val="2902636593"/>
+        <p14:creationId xmlns:p14="http://schemas.microsoft.com/office/powerpoint/2010/main" val="2902636593"/>
       </p:ext>
     </p:extLst>
   </p:cSld>
@@ -1984,14 +1994,14 @@
           <a:ln/>
           <a:extLst>
             <a:ext uri="{909E8E84-426E-40DD-AFC4-6F175D3DCCD1}">
-              <a14:hiddenFill xmlns:a14="http://schemas.microsoft.com/office/drawing/2010/main" xmlns="">
+              <a14:hiddenFill xmlns:a14="http://schemas.microsoft.com/office/drawing/2010/main">
                 <a:solidFill>
                   <a:srgbClr val="FFFFFF"/>
                 </a:solidFill>
               </a14:hiddenFill>
             </a:ext>
             <a:ext uri="{91240B29-F687-4F45-9708-019B960494DF}">
-              <a14:hiddenLine xmlns:a14="http://schemas.microsoft.com/office/drawing/2010/main" xmlns="" w="9525">
+              <a14:hiddenLine xmlns:a14="http://schemas.microsoft.com/office/drawing/2010/main" w="9525">
                 <a:solidFill>
                   <a:srgbClr val="000000"/>
                 </a:solidFill>
@@ -2142,14 +2152,14 @@
           <a:ln/>
           <a:extLst>
             <a:ext uri="{909E8E84-426E-40DD-AFC4-6F175D3DCCD1}">
-              <a14:hiddenFill xmlns:a14="http://schemas.microsoft.com/office/drawing/2010/main" xmlns="">
+              <a14:hiddenFill xmlns:a14="http://schemas.microsoft.com/office/drawing/2010/main">
                 <a:solidFill>
                   <a:srgbClr val="FFFFFF"/>
                 </a:solidFill>
               </a14:hiddenFill>
             </a:ext>
             <a:ext uri="{91240B29-F687-4F45-9708-019B960494DF}">
-              <a14:hiddenLine xmlns:a14="http://schemas.microsoft.com/office/drawing/2010/main" xmlns="" w="9525">
+              <a14:hiddenLine xmlns:a14="http://schemas.microsoft.com/office/drawing/2010/main" w="9525">
                 <a:solidFill>
                   <a:srgbClr val="000000"/>
                 </a:solidFill>
@@ -2165,7 +2175,7 @@
           <a:lstStyle/>
           <a:p>
             <a:pPr eaLnBrk="1" hangingPunct="1"/>
-            <a:endParaRPr lang="en-US" altLang="en-US" smtClean="0">
+            <a:endParaRPr lang="en-US" altLang="en-US">
               <a:latin typeface="Arial" panose="020B0604020202020204" pitchFamily="34" charset="0"/>
             </a:endParaRPr>
           </a:p>
@@ -2193,14 +2203,14 @@
           </a:ln>
           <a:extLst>
             <a:ext uri="{909E8E84-426E-40DD-AFC4-6F175D3DCCD1}">
-              <a14:hiddenFill xmlns:a14="http://schemas.microsoft.com/office/drawing/2010/main" xmlns="">
+              <a14:hiddenFill xmlns:a14="http://schemas.microsoft.com/office/drawing/2010/main">
                 <a:solidFill>
                   <a:srgbClr val="FFFFFF"/>
                 </a:solidFill>
               </a14:hiddenFill>
             </a:ext>
             <a:ext uri="{91240B29-F687-4F45-9708-019B960494DF}">
-              <a14:hiddenLine xmlns:a14="http://schemas.microsoft.com/office/drawing/2010/main" xmlns="" w="9525">
+              <a14:hiddenLine xmlns:a14="http://schemas.microsoft.com/office/drawing/2010/main" w="9525">
                 <a:solidFill>
                   <a:srgbClr val="000000"/>
                 </a:solidFill>
@@ -2325,7 +2335,7 @@
     </p:spTree>
     <p:extLst>
       <p:ext uri="{BB962C8B-B14F-4D97-AF65-F5344CB8AC3E}">
-        <p14:creationId xmlns:p14="http://schemas.microsoft.com/office/powerpoint/2010/main" xmlns="" val="2097825570"/>
+        <p14:creationId xmlns:p14="http://schemas.microsoft.com/office/powerpoint/2010/main" val="2097825570"/>
       </p:ext>
     </p:extLst>
   </p:cSld>
@@ -2367,14 +2377,14 @@
           <a:ln/>
           <a:extLst>
             <a:ext uri="{909E8E84-426E-40DD-AFC4-6F175D3DCCD1}">
-              <a14:hiddenFill xmlns:a14="http://schemas.microsoft.com/office/drawing/2010/main" xmlns="">
+              <a14:hiddenFill xmlns:a14="http://schemas.microsoft.com/office/drawing/2010/main">
                 <a:solidFill>
                   <a:srgbClr val="FFFFFF"/>
                 </a:solidFill>
               </a14:hiddenFill>
             </a:ext>
             <a:ext uri="{91240B29-F687-4F45-9708-019B960494DF}">
-              <a14:hiddenLine xmlns:a14="http://schemas.microsoft.com/office/drawing/2010/main" xmlns="" w="9525">
+              <a14:hiddenLine xmlns:a14="http://schemas.microsoft.com/office/drawing/2010/main" w="9525">
                 <a:solidFill>
                   <a:srgbClr val="000000"/>
                 </a:solidFill>
@@ -2525,14 +2535,14 @@
           <a:ln/>
           <a:extLst>
             <a:ext uri="{909E8E84-426E-40DD-AFC4-6F175D3DCCD1}">
-              <a14:hiddenFill xmlns:a14="http://schemas.microsoft.com/office/drawing/2010/main" xmlns="">
+              <a14:hiddenFill xmlns:a14="http://schemas.microsoft.com/office/drawing/2010/main">
                 <a:solidFill>
                   <a:srgbClr val="FFFFFF"/>
                 </a:solidFill>
               </a14:hiddenFill>
             </a:ext>
             <a:ext uri="{91240B29-F687-4F45-9708-019B960494DF}">
-              <a14:hiddenLine xmlns:a14="http://schemas.microsoft.com/office/drawing/2010/main" xmlns="" w="9525">
+              <a14:hiddenLine xmlns:a14="http://schemas.microsoft.com/office/drawing/2010/main" w="9525">
                 <a:solidFill>
                   <a:srgbClr val="000000"/>
                 </a:solidFill>
@@ -2548,7 +2558,7 @@
           <a:lstStyle/>
           <a:p>
             <a:pPr eaLnBrk="1" hangingPunct="1"/>
-            <a:endParaRPr lang="en-US" altLang="en-US" smtClean="0">
+            <a:endParaRPr lang="en-US" altLang="en-US">
               <a:latin typeface="Arial" panose="020B0604020202020204" pitchFamily="34" charset="0"/>
             </a:endParaRPr>
           </a:p>
@@ -2576,14 +2586,14 @@
           </a:ln>
           <a:extLst>
             <a:ext uri="{909E8E84-426E-40DD-AFC4-6F175D3DCCD1}">
-              <a14:hiddenFill xmlns:a14="http://schemas.microsoft.com/office/drawing/2010/main" xmlns="">
+              <a14:hiddenFill xmlns:a14="http://schemas.microsoft.com/office/drawing/2010/main">
                 <a:solidFill>
                   <a:srgbClr val="FFFFFF"/>
                 </a:solidFill>
               </a14:hiddenFill>
             </a:ext>
             <a:ext uri="{91240B29-F687-4F45-9708-019B960494DF}">
-              <a14:hiddenLine xmlns:a14="http://schemas.microsoft.com/office/drawing/2010/main" xmlns="" w="9525">
+              <a14:hiddenLine xmlns:a14="http://schemas.microsoft.com/office/drawing/2010/main" w="9525">
                 <a:solidFill>
                   <a:srgbClr val="000000"/>
                 </a:solidFill>
@@ -2708,7 +2718,7 @@
     </p:spTree>
     <p:extLst>
       <p:ext uri="{BB962C8B-B14F-4D97-AF65-F5344CB8AC3E}">
-        <p14:creationId xmlns:p14="http://schemas.microsoft.com/office/powerpoint/2010/main" xmlns="" val="4143592287"/>
+        <p14:creationId xmlns:p14="http://schemas.microsoft.com/office/powerpoint/2010/main" val="4143592287"/>
       </p:ext>
     </p:extLst>
   </p:cSld>
@@ -2750,14 +2760,14 @@
           <a:ln/>
           <a:extLst>
             <a:ext uri="{909E8E84-426E-40DD-AFC4-6F175D3DCCD1}">
-              <a14:hiddenFill xmlns:a14="http://schemas.microsoft.com/office/drawing/2010/main" xmlns="">
+              <a14:hiddenFill xmlns:a14="http://schemas.microsoft.com/office/drawing/2010/main">
                 <a:solidFill>
                   <a:srgbClr val="FFFFFF"/>
                 </a:solidFill>
               </a14:hiddenFill>
             </a:ext>
             <a:ext uri="{91240B29-F687-4F45-9708-019B960494DF}">
-              <a14:hiddenLine xmlns:a14="http://schemas.microsoft.com/office/drawing/2010/main" xmlns="" w="9525">
+              <a14:hiddenLine xmlns:a14="http://schemas.microsoft.com/office/drawing/2010/main" w="9525">
                 <a:solidFill>
                   <a:srgbClr val="000000"/>
                 </a:solidFill>
@@ -2908,14 +2918,14 @@
           <a:ln/>
           <a:extLst>
             <a:ext uri="{909E8E84-426E-40DD-AFC4-6F175D3DCCD1}">
-              <a14:hiddenFill xmlns:a14="http://schemas.microsoft.com/office/drawing/2010/main" xmlns="">
+              <a14:hiddenFill xmlns:a14="http://schemas.microsoft.com/office/drawing/2010/main">
                 <a:solidFill>
                   <a:srgbClr val="FFFFFF"/>
                 </a:solidFill>
               </a14:hiddenFill>
             </a:ext>
             <a:ext uri="{91240B29-F687-4F45-9708-019B960494DF}">
-              <a14:hiddenLine xmlns:a14="http://schemas.microsoft.com/office/drawing/2010/main" xmlns="" w="9525">
+              <a14:hiddenLine xmlns:a14="http://schemas.microsoft.com/office/drawing/2010/main" w="9525">
                 <a:solidFill>
                   <a:srgbClr val="000000"/>
                 </a:solidFill>
@@ -2931,7 +2941,7 @@
           <a:lstStyle/>
           <a:p>
             <a:pPr eaLnBrk="1" hangingPunct="1"/>
-            <a:endParaRPr lang="en-US" altLang="en-US" smtClean="0">
+            <a:endParaRPr lang="en-US" altLang="en-US">
               <a:latin typeface="Arial" panose="020B0604020202020204" pitchFamily="34" charset="0"/>
             </a:endParaRPr>
           </a:p>
@@ -2959,14 +2969,14 @@
           </a:ln>
           <a:extLst>
             <a:ext uri="{909E8E84-426E-40DD-AFC4-6F175D3DCCD1}">
-              <a14:hiddenFill xmlns:a14="http://schemas.microsoft.com/office/drawing/2010/main" xmlns="">
+              <a14:hiddenFill xmlns:a14="http://schemas.microsoft.com/office/drawing/2010/main">
                 <a:solidFill>
                   <a:srgbClr val="FFFFFF"/>
                 </a:solidFill>
               </a14:hiddenFill>
             </a:ext>
             <a:ext uri="{91240B29-F687-4F45-9708-019B960494DF}">
-              <a14:hiddenLine xmlns:a14="http://schemas.microsoft.com/office/drawing/2010/main" xmlns="" w="9525">
+              <a14:hiddenLine xmlns:a14="http://schemas.microsoft.com/office/drawing/2010/main" w="9525">
                 <a:solidFill>
                   <a:srgbClr val="000000"/>
                 </a:solidFill>
@@ -3091,7 +3101,7 @@
     </p:spTree>
     <p:extLst>
       <p:ext uri="{BB962C8B-B14F-4D97-AF65-F5344CB8AC3E}">
-        <p14:creationId xmlns:p14="http://schemas.microsoft.com/office/powerpoint/2010/main" xmlns="" val="4175874716"/>
+        <p14:creationId xmlns:p14="http://schemas.microsoft.com/office/powerpoint/2010/main" val="4175874716"/>
       </p:ext>
     </p:extLst>
   </p:cSld>
@@ -3133,14 +3143,14 @@
           <a:ln/>
           <a:extLst>
             <a:ext uri="{909E8E84-426E-40DD-AFC4-6F175D3DCCD1}">
-              <a14:hiddenFill xmlns:a14="http://schemas.microsoft.com/office/drawing/2010/main" xmlns="">
+              <a14:hiddenFill xmlns:a14="http://schemas.microsoft.com/office/drawing/2010/main">
                 <a:solidFill>
                   <a:srgbClr val="FFFFFF"/>
                 </a:solidFill>
               </a14:hiddenFill>
             </a:ext>
             <a:ext uri="{91240B29-F687-4F45-9708-019B960494DF}">
-              <a14:hiddenLine xmlns:a14="http://schemas.microsoft.com/office/drawing/2010/main" xmlns="" w="9525">
+              <a14:hiddenLine xmlns:a14="http://schemas.microsoft.com/office/drawing/2010/main" w="9525">
                 <a:solidFill>
                   <a:srgbClr val="000000"/>
                 </a:solidFill>
@@ -3291,14 +3301,14 @@
           <a:ln/>
           <a:extLst>
             <a:ext uri="{909E8E84-426E-40DD-AFC4-6F175D3DCCD1}">
-              <a14:hiddenFill xmlns:a14="http://schemas.microsoft.com/office/drawing/2010/main" xmlns="">
+              <a14:hiddenFill xmlns:a14="http://schemas.microsoft.com/office/drawing/2010/main">
                 <a:solidFill>
                   <a:srgbClr val="FFFFFF"/>
                 </a:solidFill>
               </a14:hiddenFill>
             </a:ext>
             <a:ext uri="{91240B29-F687-4F45-9708-019B960494DF}">
-              <a14:hiddenLine xmlns:a14="http://schemas.microsoft.com/office/drawing/2010/main" xmlns="" w="9525">
+              <a14:hiddenLine xmlns:a14="http://schemas.microsoft.com/office/drawing/2010/main" w="9525">
                 <a:solidFill>
                   <a:srgbClr val="000000"/>
                 </a:solidFill>
@@ -3314,7 +3324,7 @@
           <a:lstStyle/>
           <a:p>
             <a:pPr eaLnBrk="1" hangingPunct="1"/>
-            <a:endParaRPr lang="en-US" altLang="en-US" smtClean="0">
+            <a:endParaRPr lang="en-US" altLang="en-US">
               <a:latin typeface="Arial" panose="020B0604020202020204" pitchFamily="34" charset="0"/>
             </a:endParaRPr>
           </a:p>
@@ -3342,14 +3352,14 @@
           </a:ln>
           <a:extLst>
             <a:ext uri="{909E8E84-426E-40DD-AFC4-6F175D3DCCD1}">
-              <a14:hiddenFill xmlns:a14="http://schemas.microsoft.com/office/drawing/2010/main" xmlns="">
+              <a14:hiddenFill xmlns:a14="http://schemas.microsoft.com/office/drawing/2010/main">
                 <a:solidFill>
                   <a:srgbClr val="FFFFFF"/>
                 </a:solidFill>
               </a14:hiddenFill>
             </a:ext>
             <a:ext uri="{91240B29-F687-4F45-9708-019B960494DF}">
-              <a14:hiddenLine xmlns:a14="http://schemas.microsoft.com/office/drawing/2010/main" xmlns="" w="9525">
+              <a14:hiddenLine xmlns:a14="http://schemas.microsoft.com/office/drawing/2010/main" w="9525">
                 <a:solidFill>
                   <a:srgbClr val="000000"/>
                 </a:solidFill>
@@ -3474,440 +3484,7 @@
     </p:spTree>
     <p:extLst>
       <p:ext uri="{BB962C8B-B14F-4D97-AF65-F5344CB8AC3E}">
-        <p14:creationId xmlns:p14="http://schemas.microsoft.com/office/powerpoint/2010/main" xmlns="" val="2227513341"/>
-      </p:ext>
-    </p:extLst>
-  </p:cSld>
-  <p:clrMapOvr>
-    <a:masterClrMapping/>
-  </p:clrMapOvr>
-</p:notes>
-</file>
-
-<file path=ppt/notesSlides/notesSlide18.xml><?xml version="1.0" encoding="utf-8"?>
-<p:notes xmlns:a="http://schemas.openxmlformats.org/drawingml/2006/main" xmlns:r="http://schemas.openxmlformats.org/officeDocument/2006/relationships" xmlns:p="http://schemas.openxmlformats.org/presentationml/2006/main">
-  <p:cSld>
-    <p:spTree>
-      <p:nvGrpSpPr>
-        <p:cNvPr id="1" name=""/>
-        <p:cNvGrpSpPr/>
-        <p:nvPr/>
-      </p:nvGrpSpPr>
-      <p:grpSpPr>
-        <a:xfrm>
-          <a:off x="0" y="0"/>
-          <a:ext cx="0" cy="0"/>
-          <a:chOff x="0" y="0"/>
-          <a:chExt cx="0" cy="0"/>
-        </a:xfrm>
-      </p:grpSpPr>
-      <p:sp>
-        <p:nvSpPr>
-          <p:cNvPr id="64514" name="Rectangle 7"/>
-          <p:cNvSpPr>
-            <a:spLocks noGrp="1" noChangeArrowheads="1"/>
-          </p:cNvSpPr>
-          <p:nvPr>
-            <p:ph type="sldNum" sz="quarter" idx="5"/>
-          </p:nvPr>
-        </p:nvSpPr>
-        <p:spPr>
-          <a:noFill/>
-          <a:ln/>
-          <a:extLst>
-            <a:ext uri="{909E8E84-426E-40DD-AFC4-6F175D3DCCD1}">
-              <a14:hiddenFill xmlns:a14="http://schemas.microsoft.com/office/drawing/2010/main" xmlns="">
-                <a:solidFill>
-                  <a:srgbClr val="FFFFFF"/>
-                </a:solidFill>
-              </a14:hiddenFill>
-            </a:ext>
-            <a:ext uri="{91240B29-F687-4F45-9708-019B960494DF}">
-              <a14:hiddenLine xmlns:a14="http://schemas.microsoft.com/office/drawing/2010/main" xmlns="" w="9525">
-                <a:solidFill>
-                  <a:srgbClr val="000000"/>
-                </a:solidFill>
-                <a:miter lim="800000"/>
-                <a:headEnd/>
-                <a:tailEnd/>
-              </a14:hiddenLine>
-            </a:ext>
-          </a:extLst>
-        </p:spPr>
-        <p:txBody>
-          <a:bodyPr/>
-          <a:lstStyle>
-            <a:lvl1pPr>
-              <a:spcBef>
-                <a:spcPct val="30000"/>
-              </a:spcBef>
-              <a:defRPr sz="1200">
-                <a:solidFill>
-                  <a:schemeClr val="tx1"/>
-                </a:solidFill>
-                <a:latin typeface="Arial" panose="020B0604020202020204" pitchFamily="34" charset="0"/>
-              </a:defRPr>
-            </a:lvl1pPr>
-            <a:lvl2pPr marL="742950" indent="-285750">
-              <a:spcBef>
-                <a:spcPct val="30000"/>
-              </a:spcBef>
-              <a:defRPr sz="1200">
-                <a:solidFill>
-                  <a:schemeClr val="tx1"/>
-                </a:solidFill>
-                <a:latin typeface="Arial" panose="020B0604020202020204" pitchFamily="34" charset="0"/>
-              </a:defRPr>
-            </a:lvl2pPr>
-            <a:lvl3pPr marL="1143000" indent="-228600">
-              <a:spcBef>
-                <a:spcPct val="30000"/>
-              </a:spcBef>
-              <a:defRPr sz="1200">
-                <a:solidFill>
-                  <a:schemeClr val="tx1"/>
-                </a:solidFill>
-                <a:latin typeface="Arial" panose="020B0604020202020204" pitchFamily="34" charset="0"/>
-              </a:defRPr>
-            </a:lvl3pPr>
-            <a:lvl4pPr marL="1600200" indent="-228600">
-              <a:spcBef>
-                <a:spcPct val="30000"/>
-              </a:spcBef>
-              <a:defRPr sz="1200">
-                <a:solidFill>
-                  <a:schemeClr val="tx1"/>
-                </a:solidFill>
-                <a:latin typeface="Arial" panose="020B0604020202020204" pitchFamily="34" charset="0"/>
-              </a:defRPr>
-            </a:lvl4pPr>
-            <a:lvl5pPr marL="2057400" indent="-228600">
-              <a:spcBef>
-                <a:spcPct val="30000"/>
-              </a:spcBef>
-              <a:defRPr sz="1200">
-                <a:solidFill>
-                  <a:schemeClr val="tx1"/>
-                </a:solidFill>
-                <a:latin typeface="Arial" panose="020B0604020202020204" pitchFamily="34" charset="0"/>
-              </a:defRPr>
-            </a:lvl5pPr>
-            <a:lvl6pPr marL="2514600" indent="-228600" eaLnBrk="0" fontAlgn="base" hangingPunct="0">
-              <a:spcBef>
-                <a:spcPct val="30000"/>
-              </a:spcBef>
-              <a:spcAft>
-                <a:spcPct val="0"/>
-              </a:spcAft>
-              <a:defRPr sz="1200">
-                <a:solidFill>
-                  <a:schemeClr val="tx1"/>
-                </a:solidFill>
-                <a:latin typeface="Arial" panose="020B0604020202020204" pitchFamily="34" charset="0"/>
-              </a:defRPr>
-            </a:lvl6pPr>
-            <a:lvl7pPr marL="2971800" indent="-228600" eaLnBrk="0" fontAlgn="base" hangingPunct="0">
-              <a:spcBef>
-                <a:spcPct val="30000"/>
-              </a:spcBef>
-              <a:spcAft>
-                <a:spcPct val="0"/>
-              </a:spcAft>
-              <a:defRPr sz="1200">
-                <a:solidFill>
-                  <a:schemeClr val="tx1"/>
-                </a:solidFill>
-                <a:latin typeface="Arial" panose="020B0604020202020204" pitchFamily="34" charset="0"/>
-              </a:defRPr>
-            </a:lvl7pPr>
-            <a:lvl8pPr marL="3429000" indent="-228600" eaLnBrk="0" fontAlgn="base" hangingPunct="0">
-              <a:spcBef>
-                <a:spcPct val="30000"/>
-              </a:spcBef>
-              <a:spcAft>
-                <a:spcPct val="0"/>
-              </a:spcAft>
-              <a:defRPr sz="1200">
-                <a:solidFill>
-                  <a:schemeClr val="tx1"/>
-                </a:solidFill>
-                <a:latin typeface="Arial" panose="020B0604020202020204" pitchFamily="34" charset="0"/>
-              </a:defRPr>
-            </a:lvl8pPr>
-            <a:lvl9pPr marL="3886200" indent="-228600" eaLnBrk="0" fontAlgn="base" hangingPunct="0">
-              <a:spcBef>
-                <a:spcPct val="30000"/>
-              </a:spcBef>
-              <a:spcAft>
-                <a:spcPct val="0"/>
-              </a:spcAft>
-              <a:defRPr sz="1200">
-                <a:solidFill>
-                  <a:schemeClr val="tx1"/>
-                </a:solidFill>
-                <a:latin typeface="Arial" panose="020B0604020202020204" pitchFamily="34" charset="0"/>
-              </a:defRPr>
-            </a:lvl9pPr>
-          </a:lstStyle>
-          <a:p>
-            <a:pPr>
-              <a:spcBef>
-                <a:spcPct val="0"/>
-              </a:spcBef>
-            </a:pPr>
-            <a:fld id="{FBB21327-4322-4A8E-99CE-BE82F623B2B2}" type="slidenum">
-              <a:rPr lang="en-US" altLang="en-US"/>
-              <a:pPr>
-                <a:spcBef>
-                  <a:spcPct val="0"/>
-                </a:spcBef>
-              </a:pPr>
-              <a:t>24</a:t>
-            </a:fld>
-            <a:endParaRPr lang="en-US" altLang="en-US"/>
-          </a:p>
-        </p:txBody>
-      </p:sp>
-      <p:sp>
-        <p:nvSpPr>
-          <p:cNvPr id="64515" name="Rectangle 7"/>
-          <p:cNvSpPr txBox="1">
-            <a:spLocks noGrp="1" noChangeArrowheads="1"/>
-          </p:cNvSpPr>
-          <p:nvPr/>
-        </p:nvSpPr>
-        <p:spPr bwMode="auto">
-          <a:xfrm>
-            <a:off x="3884613" y="8685213"/>
-            <a:ext cx="2971800" cy="457200"/>
-          </a:xfrm>
-          <a:prstGeom prst="rect">
-            <a:avLst/>
-          </a:prstGeom>
-          <a:noFill/>
-          <a:ln>
-            <a:noFill/>
-          </a:ln>
-          <a:extLst>
-            <a:ext uri="{909E8E84-426E-40DD-AFC4-6F175D3DCCD1}">
-              <a14:hiddenFill xmlns:a14="http://schemas.microsoft.com/office/drawing/2010/main" xmlns="">
-                <a:solidFill>
-                  <a:srgbClr val="FFFFFF"/>
-                </a:solidFill>
-              </a14:hiddenFill>
-            </a:ext>
-            <a:ext uri="{91240B29-F687-4F45-9708-019B960494DF}">
-              <a14:hiddenLine xmlns:a14="http://schemas.microsoft.com/office/drawing/2010/main" xmlns="" w="9525">
-                <a:solidFill>
-                  <a:srgbClr val="000000"/>
-                </a:solidFill>
-                <a:miter lim="800000"/>
-                <a:headEnd/>
-                <a:tailEnd/>
-              </a14:hiddenLine>
-            </a:ext>
-          </a:extLst>
-        </p:spPr>
-        <p:txBody>
-          <a:bodyPr anchor="b"/>
-          <a:lstStyle>
-            <a:lvl1pPr>
-              <a:spcBef>
-                <a:spcPct val="30000"/>
-              </a:spcBef>
-              <a:defRPr sz="1200">
-                <a:solidFill>
-                  <a:schemeClr val="tx1"/>
-                </a:solidFill>
-                <a:latin typeface="Arial" panose="020B0604020202020204" pitchFamily="34" charset="0"/>
-              </a:defRPr>
-            </a:lvl1pPr>
-            <a:lvl2pPr marL="742950" indent="-285750">
-              <a:spcBef>
-                <a:spcPct val="30000"/>
-              </a:spcBef>
-              <a:defRPr sz="1200">
-                <a:solidFill>
-                  <a:schemeClr val="tx1"/>
-                </a:solidFill>
-                <a:latin typeface="Arial" panose="020B0604020202020204" pitchFamily="34" charset="0"/>
-              </a:defRPr>
-            </a:lvl2pPr>
-            <a:lvl3pPr marL="1143000" indent="-228600">
-              <a:spcBef>
-                <a:spcPct val="30000"/>
-              </a:spcBef>
-              <a:defRPr sz="1200">
-                <a:solidFill>
-                  <a:schemeClr val="tx1"/>
-                </a:solidFill>
-                <a:latin typeface="Arial" panose="020B0604020202020204" pitchFamily="34" charset="0"/>
-              </a:defRPr>
-            </a:lvl3pPr>
-            <a:lvl4pPr marL="1600200" indent="-228600">
-              <a:spcBef>
-                <a:spcPct val="30000"/>
-              </a:spcBef>
-              <a:defRPr sz="1200">
-                <a:solidFill>
-                  <a:schemeClr val="tx1"/>
-                </a:solidFill>
-                <a:latin typeface="Arial" panose="020B0604020202020204" pitchFamily="34" charset="0"/>
-              </a:defRPr>
-            </a:lvl4pPr>
-            <a:lvl5pPr marL="2057400" indent="-228600">
-              <a:spcBef>
-                <a:spcPct val="30000"/>
-              </a:spcBef>
-              <a:defRPr sz="1200">
-                <a:solidFill>
-                  <a:schemeClr val="tx1"/>
-                </a:solidFill>
-                <a:latin typeface="Arial" panose="020B0604020202020204" pitchFamily="34" charset="0"/>
-              </a:defRPr>
-            </a:lvl5pPr>
-            <a:lvl6pPr marL="2514600" indent="-228600" eaLnBrk="0" fontAlgn="base" hangingPunct="0">
-              <a:spcBef>
-                <a:spcPct val="30000"/>
-              </a:spcBef>
-              <a:spcAft>
-                <a:spcPct val="0"/>
-              </a:spcAft>
-              <a:defRPr sz="1200">
-                <a:solidFill>
-                  <a:schemeClr val="tx1"/>
-                </a:solidFill>
-                <a:latin typeface="Arial" panose="020B0604020202020204" pitchFamily="34" charset="0"/>
-              </a:defRPr>
-            </a:lvl6pPr>
-            <a:lvl7pPr marL="2971800" indent="-228600" eaLnBrk="0" fontAlgn="base" hangingPunct="0">
-              <a:spcBef>
-                <a:spcPct val="30000"/>
-              </a:spcBef>
-              <a:spcAft>
-                <a:spcPct val="0"/>
-              </a:spcAft>
-              <a:defRPr sz="1200">
-                <a:solidFill>
-                  <a:schemeClr val="tx1"/>
-                </a:solidFill>
-                <a:latin typeface="Arial" panose="020B0604020202020204" pitchFamily="34" charset="0"/>
-              </a:defRPr>
-            </a:lvl7pPr>
-            <a:lvl8pPr marL="3429000" indent="-228600" eaLnBrk="0" fontAlgn="base" hangingPunct="0">
-              <a:spcBef>
-                <a:spcPct val="30000"/>
-              </a:spcBef>
-              <a:spcAft>
-                <a:spcPct val="0"/>
-              </a:spcAft>
-              <a:defRPr sz="1200">
-                <a:solidFill>
-                  <a:schemeClr val="tx1"/>
-                </a:solidFill>
-                <a:latin typeface="Arial" panose="020B0604020202020204" pitchFamily="34" charset="0"/>
-              </a:defRPr>
-            </a:lvl8pPr>
-            <a:lvl9pPr marL="3886200" indent="-228600" eaLnBrk="0" fontAlgn="base" hangingPunct="0">
-              <a:spcBef>
-                <a:spcPct val="30000"/>
-              </a:spcBef>
-              <a:spcAft>
-                <a:spcPct val="0"/>
-              </a:spcAft>
-              <a:defRPr sz="1200">
-                <a:solidFill>
-                  <a:schemeClr val="tx1"/>
-                </a:solidFill>
-                <a:latin typeface="Arial" panose="020B0604020202020204" pitchFamily="34" charset="0"/>
-              </a:defRPr>
-            </a:lvl9pPr>
-          </a:lstStyle>
-          <a:p>
-            <a:pPr algn="r" eaLnBrk="1" hangingPunct="1">
-              <a:spcBef>
-                <a:spcPct val="0"/>
-              </a:spcBef>
-            </a:pPr>
-            <a:fld id="{CCC7500C-5A16-4786-A32F-AA191866C221}" type="slidenum">
-              <a:rPr lang="en-US" altLang="en-US">
-                <a:latin typeface="Calibri" panose="020F0502020204030204" pitchFamily="34" charset="0"/>
-              </a:rPr>
-              <a:pPr algn="r" eaLnBrk="1" hangingPunct="1">
-                <a:spcBef>
-                  <a:spcPct val="0"/>
-                </a:spcBef>
-              </a:pPr>
-              <a:t>24</a:t>
-            </a:fld>
-            <a:endParaRPr lang="en-US" altLang="en-US">
-              <a:latin typeface="Calibri" panose="020F0502020204030204" pitchFamily="34" charset="0"/>
-            </a:endParaRPr>
-          </a:p>
-        </p:txBody>
-      </p:sp>
-      <p:sp>
-        <p:nvSpPr>
-          <p:cNvPr id="64516" name="Rectangle 2"/>
-          <p:cNvSpPr>
-            <a:spLocks noGrp="1" noRot="1" noChangeAspect="1" noChangeArrowheads="1" noTextEdit="1"/>
-          </p:cNvSpPr>
-          <p:nvPr>
-            <p:ph type="sldImg"/>
-          </p:nvPr>
-        </p:nvSpPr>
-        <p:spPr>
-          <a:ln/>
-        </p:spPr>
-      </p:sp>
-      <p:sp>
-        <p:nvSpPr>
-          <p:cNvPr id="64517" name="Rectangle 3"/>
-          <p:cNvSpPr>
-            <a:spLocks noGrp="1" noChangeArrowheads="1"/>
-          </p:cNvSpPr>
-          <p:nvPr>
-            <p:ph type="body" idx="1"/>
-          </p:nvPr>
-        </p:nvSpPr>
-        <p:spPr>
-          <a:noFill/>
-          <a:ln/>
-          <a:extLst>
-            <a:ext uri="{909E8E84-426E-40DD-AFC4-6F175D3DCCD1}">
-              <a14:hiddenFill xmlns:a14="http://schemas.microsoft.com/office/drawing/2010/main" xmlns="">
-                <a:solidFill>
-                  <a:srgbClr val="FFFFFF"/>
-                </a:solidFill>
-              </a14:hiddenFill>
-            </a:ext>
-            <a:ext uri="{91240B29-F687-4F45-9708-019B960494DF}">
-              <a14:hiddenLine xmlns:a14="http://schemas.microsoft.com/office/drawing/2010/main" xmlns="" w="9525">
-                <a:solidFill>
-                  <a:srgbClr val="000000"/>
-                </a:solidFill>
-                <a:miter lim="800000"/>
-                <a:headEnd/>
-                <a:tailEnd/>
-              </a14:hiddenLine>
-            </a:ext>
-          </a:extLst>
-        </p:spPr>
-        <p:txBody>
-          <a:bodyPr/>
-          <a:lstStyle/>
-          <a:p>
-            <a:pPr eaLnBrk="1" hangingPunct="1"/>
-            <a:endParaRPr lang="en-US" altLang="en-US" smtClean="0">
-              <a:latin typeface="Arial" panose="020B0604020202020204" pitchFamily="34" charset="0"/>
-            </a:endParaRPr>
-          </a:p>
-        </p:txBody>
-      </p:sp>
-    </p:spTree>
-    <p:extLst>
-      <p:ext uri="{BB962C8B-B14F-4D97-AF65-F5344CB8AC3E}">
-        <p14:creationId xmlns:p14="http://schemas.microsoft.com/office/powerpoint/2010/main" xmlns="" val="1985728916"/>
+        <p14:creationId xmlns:p14="http://schemas.microsoft.com/office/powerpoint/2010/main" val="2227513341"/>
       </p:ext>
     </p:extLst>
   </p:cSld>
@@ -3949,14 +3526,14 @@
           <a:ln/>
           <a:extLst>
             <a:ext uri="{909E8E84-426E-40DD-AFC4-6F175D3DCCD1}">
-              <a14:hiddenFill xmlns:a14="http://schemas.microsoft.com/office/drawing/2010/main" xmlns="">
+              <a14:hiddenFill xmlns:a14="http://schemas.microsoft.com/office/drawing/2010/main">
                 <a:solidFill>
                   <a:srgbClr val="FFFFFF"/>
                 </a:solidFill>
               </a14:hiddenFill>
             </a:ext>
             <a:ext uri="{91240B29-F687-4F45-9708-019B960494DF}">
-              <a14:hiddenLine xmlns:a14="http://schemas.microsoft.com/office/drawing/2010/main" xmlns="" w="9525">
+              <a14:hiddenLine xmlns:a14="http://schemas.microsoft.com/office/drawing/2010/main" w="9525">
                 <a:solidFill>
                   <a:srgbClr val="000000"/>
                 </a:solidFill>
@@ -4107,14 +3684,14 @@
           <a:ln/>
           <a:extLst>
             <a:ext uri="{909E8E84-426E-40DD-AFC4-6F175D3DCCD1}">
-              <a14:hiddenFill xmlns:a14="http://schemas.microsoft.com/office/drawing/2010/main" xmlns="">
+              <a14:hiddenFill xmlns:a14="http://schemas.microsoft.com/office/drawing/2010/main">
                 <a:solidFill>
                   <a:srgbClr val="FFFFFF"/>
                 </a:solidFill>
               </a14:hiddenFill>
             </a:ext>
             <a:ext uri="{91240B29-F687-4F45-9708-019B960494DF}">
-              <a14:hiddenLine xmlns:a14="http://schemas.microsoft.com/office/drawing/2010/main" xmlns="" w="9525">
+              <a14:hiddenLine xmlns:a14="http://schemas.microsoft.com/office/drawing/2010/main" w="9525">
                 <a:solidFill>
                   <a:srgbClr val="000000"/>
                 </a:solidFill>
@@ -4130,7 +3707,7 @@
           <a:lstStyle/>
           <a:p>
             <a:pPr eaLnBrk="1" hangingPunct="1"/>
-            <a:endParaRPr lang="en-US" altLang="en-US" smtClean="0">
+            <a:endParaRPr lang="en-US" altLang="en-US">
               <a:latin typeface="Arial" panose="020B0604020202020204" pitchFamily="34" charset="0"/>
             </a:endParaRPr>
           </a:p>
@@ -4139,7 +3716,7 @@
     </p:spTree>
     <p:extLst>
       <p:ext uri="{BB962C8B-B14F-4D97-AF65-F5344CB8AC3E}">
-        <p14:creationId xmlns:p14="http://schemas.microsoft.com/office/powerpoint/2010/main" xmlns="" val="3539729559"/>
+        <p14:creationId xmlns:p14="http://schemas.microsoft.com/office/powerpoint/2010/main" val="3539729559"/>
       </p:ext>
     </p:extLst>
   </p:cSld>
@@ -4181,14 +3758,14 @@
           <a:ln/>
           <a:extLst>
             <a:ext uri="{909E8E84-426E-40DD-AFC4-6F175D3DCCD1}">
-              <a14:hiddenFill xmlns:a14="http://schemas.microsoft.com/office/drawing/2010/main" xmlns="">
+              <a14:hiddenFill xmlns:a14="http://schemas.microsoft.com/office/drawing/2010/main">
                 <a:solidFill>
                   <a:srgbClr val="FFFFFF"/>
                 </a:solidFill>
               </a14:hiddenFill>
             </a:ext>
             <a:ext uri="{91240B29-F687-4F45-9708-019B960494DF}">
-              <a14:hiddenLine xmlns:a14="http://schemas.microsoft.com/office/drawing/2010/main" xmlns="" w="9525">
+              <a14:hiddenLine xmlns:a14="http://schemas.microsoft.com/office/drawing/2010/main" w="9525">
                 <a:solidFill>
                   <a:srgbClr val="000000"/>
                 </a:solidFill>
@@ -4339,14 +3916,14 @@
           <a:ln/>
           <a:extLst>
             <a:ext uri="{909E8E84-426E-40DD-AFC4-6F175D3DCCD1}">
-              <a14:hiddenFill xmlns:a14="http://schemas.microsoft.com/office/drawing/2010/main" xmlns="">
+              <a14:hiddenFill xmlns:a14="http://schemas.microsoft.com/office/drawing/2010/main">
                 <a:solidFill>
                   <a:srgbClr val="FFFFFF"/>
                 </a:solidFill>
               </a14:hiddenFill>
             </a:ext>
             <a:ext uri="{91240B29-F687-4F45-9708-019B960494DF}">
-              <a14:hiddenLine xmlns:a14="http://schemas.microsoft.com/office/drawing/2010/main" xmlns="" w="9525">
+              <a14:hiddenLine xmlns:a14="http://schemas.microsoft.com/office/drawing/2010/main" w="9525">
                 <a:solidFill>
                   <a:srgbClr val="000000"/>
                 </a:solidFill>
@@ -4362,7 +3939,7 @@
           <a:lstStyle/>
           <a:p>
             <a:pPr eaLnBrk="1" hangingPunct="1"/>
-            <a:endParaRPr lang="en-US" altLang="en-US" smtClean="0">
+            <a:endParaRPr lang="en-US" altLang="en-US">
               <a:latin typeface="Arial" panose="020B0604020202020204" pitchFamily="34" charset="0"/>
             </a:endParaRPr>
           </a:p>
@@ -4371,7 +3948,7 @@
     </p:spTree>
     <p:extLst>
       <p:ext uri="{BB962C8B-B14F-4D97-AF65-F5344CB8AC3E}">
-        <p14:creationId xmlns:p14="http://schemas.microsoft.com/office/powerpoint/2010/main" xmlns="" val="1857838446"/>
+        <p14:creationId xmlns:p14="http://schemas.microsoft.com/office/powerpoint/2010/main" val="1857838446"/>
       </p:ext>
     </p:extLst>
   </p:cSld>
@@ -4413,14 +3990,14 @@
           <a:ln/>
           <a:extLst>
             <a:ext uri="{909E8E84-426E-40DD-AFC4-6F175D3DCCD1}">
-              <a14:hiddenFill xmlns:a14="http://schemas.microsoft.com/office/drawing/2010/main" xmlns="">
+              <a14:hiddenFill xmlns:a14="http://schemas.microsoft.com/office/drawing/2010/main">
                 <a:solidFill>
                   <a:srgbClr val="FFFFFF"/>
                 </a:solidFill>
               </a14:hiddenFill>
             </a:ext>
             <a:ext uri="{91240B29-F687-4F45-9708-019B960494DF}">
-              <a14:hiddenLine xmlns:a14="http://schemas.microsoft.com/office/drawing/2010/main" xmlns="" w="9525">
+              <a14:hiddenLine xmlns:a14="http://schemas.microsoft.com/office/drawing/2010/main" w="9525">
                 <a:solidFill>
                   <a:srgbClr val="000000"/>
                 </a:solidFill>
@@ -4571,14 +4148,14 @@
           <a:ln/>
           <a:extLst>
             <a:ext uri="{909E8E84-426E-40DD-AFC4-6F175D3DCCD1}">
-              <a14:hiddenFill xmlns:a14="http://schemas.microsoft.com/office/drawing/2010/main" xmlns="">
+              <a14:hiddenFill xmlns:a14="http://schemas.microsoft.com/office/drawing/2010/main">
                 <a:solidFill>
                   <a:srgbClr val="FFFFFF"/>
                 </a:solidFill>
               </a14:hiddenFill>
             </a:ext>
             <a:ext uri="{91240B29-F687-4F45-9708-019B960494DF}">
-              <a14:hiddenLine xmlns:a14="http://schemas.microsoft.com/office/drawing/2010/main" xmlns="" w="9525">
+              <a14:hiddenLine xmlns:a14="http://schemas.microsoft.com/office/drawing/2010/main" w="9525">
                 <a:solidFill>
                   <a:srgbClr val="000000"/>
                 </a:solidFill>
@@ -4594,7 +4171,7 @@
           <a:lstStyle/>
           <a:p>
             <a:pPr eaLnBrk="1" hangingPunct="1"/>
-            <a:endParaRPr lang="en-US" altLang="en-US" smtClean="0">
+            <a:endParaRPr lang="en-US" altLang="en-US">
               <a:latin typeface="Arial" panose="020B0604020202020204" pitchFamily="34" charset="0"/>
             </a:endParaRPr>
           </a:p>
@@ -4603,7 +4180,7 @@
     </p:spTree>
     <p:extLst>
       <p:ext uri="{BB962C8B-B14F-4D97-AF65-F5344CB8AC3E}">
-        <p14:creationId xmlns:p14="http://schemas.microsoft.com/office/powerpoint/2010/main" xmlns="" val="2867473220"/>
+        <p14:creationId xmlns:p14="http://schemas.microsoft.com/office/powerpoint/2010/main" val="2867473220"/>
       </p:ext>
     </p:extLst>
   </p:cSld>
@@ -4645,14 +4222,14 @@
           <a:ln/>
           <a:extLst>
             <a:ext uri="{909E8E84-426E-40DD-AFC4-6F175D3DCCD1}">
-              <a14:hiddenFill xmlns:a14="http://schemas.microsoft.com/office/drawing/2010/main" xmlns="">
+              <a14:hiddenFill xmlns:a14="http://schemas.microsoft.com/office/drawing/2010/main">
                 <a:solidFill>
                   <a:srgbClr val="FFFFFF"/>
                 </a:solidFill>
               </a14:hiddenFill>
             </a:ext>
             <a:ext uri="{91240B29-F687-4F45-9708-019B960494DF}">
-              <a14:hiddenLine xmlns:a14="http://schemas.microsoft.com/office/drawing/2010/main" xmlns="" w="9525">
+              <a14:hiddenLine xmlns:a14="http://schemas.microsoft.com/office/drawing/2010/main" w="9525">
                 <a:solidFill>
                   <a:srgbClr val="000000"/>
                 </a:solidFill>
@@ -4803,14 +4380,14 @@
           <a:ln/>
           <a:extLst>
             <a:ext uri="{909E8E84-426E-40DD-AFC4-6F175D3DCCD1}">
-              <a14:hiddenFill xmlns:a14="http://schemas.microsoft.com/office/drawing/2010/main" xmlns="">
+              <a14:hiddenFill xmlns:a14="http://schemas.microsoft.com/office/drawing/2010/main">
                 <a:solidFill>
                   <a:srgbClr val="FFFFFF"/>
                 </a:solidFill>
               </a14:hiddenFill>
             </a:ext>
             <a:ext uri="{91240B29-F687-4F45-9708-019B960494DF}">
-              <a14:hiddenLine xmlns:a14="http://schemas.microsoft.com/office/drawing/2010/main" xmlns="" w="9525">
+              <a14:hiddenLine xmlns:a14="http://schemas.microsoft.com/office/drawing/2010/main" w="9525">
                 <a:solidFill>
                   <a:srgbClr val="000000"/>
                 </a:solidFill>
@@ -4826,7 +4403,7 @@
           <a:lstStyle/>
           <a:p>
             <a:pPr eaLnBrk="1" hangingPunct="1"/>
-            <a:endParaRPr lang="en-US" altLang="en-US" smtClean="0">
+            <a:endParaRPr lang="en-US" altLang="en-US">
               <a:latin typeface="Arial" panose="020B0604020202020204" pitchFamily="34" charset="0"/>
             </a:endParaRPr>
           </a:p>
@@ -4835,7 +4412,7 @@
     </p:spTree>
     <p:extLst>
       <p:ext uri="{BB962C8B-B14F-4D97-AF65-F5344CB8AC3E}">
-        <p14:creationId xmlns:p14="http://schemas.microsoft.com/office/powerpoint/2010/main" xmlns="" val="1590103210"/>
+        <p14:creationId xmlns:p14="http://schemas.microsoft.com/office/powerpoint/2010/main" val="1590103210"/>
       </p:ext>
     </p:extLst>
   </p:cSld>
@@ -4877,14 +4454,14 @@
           <a:ln/>
           <a:extLst>
             <a:ext uri="{909E8E84-426E-40DD-AFC4-6F175D3DCCD1}">
-              <a14:hiddenFill xmlns:a14="http://schemas.microsoft.com/office/drawing/2010/main" xmlns="">
+              <a14:hiddenFill xmlns:a14="http://schemas.microsoft.com/office/drawing/2010/main">
                 <a:solidFill>
                   <a:srgbClr val="FFFFFF"/>
                 </a:solidFill>
               </a14:hiddenFill>
             </a:ext>
             <a:ext uri="{91240B29-F687-4F45-9708-019B960494DF}">
-              <a14:hiddenLine xmlns:a14="http://schemas.microsoft.com/office/drawing/2010/main" xmlns="" w="9525">
+              <a14:hiddenLine xmlns:a14="http://schemas.microsoft.com/office/drawing/2010/main" w="9525">
                 <a:solidFill>
                   <a:srgbClr val="000000"/>
                 </a:solidFill>
@@ -5035,14 +4612,14 @@
           <a:ln/>
           <a:extLst>
             <a:ext uri="{909E8E84-426E-40DD-AFC4-6F175D3DCCD1}">
-              <a14:hiddenFill xmlns:a14="http://schemas.microsoft.com/office/drawing/2010/main" xmlns="">
+              <a14:hiddenFill xmlns:a14="http://schemas.microsoft.com/office/drawing/2010/main">
                 <a:solidFill>
                   <a:srgbClr val="FFFFFF"/>
                 </a:solidFill>
               </a14:hiddenFill>
             </a:ext>
             <a:ext uri="{91240B29-F687-4F45-9708-019B960494DF}">
-              <a14:hiddenLine xmlns:a14="http://schemas.microsoft.com/office/drawing/2010/main" xmlns="" w="9525">
+              <a14:hiddenLine xmlns:a14="http://schemas.microsoft.com/office/drawing/2010/main" w="9525">
                 <a:solidFill>
                   <a:srgbClr val="000000"/>
                 </a:solidFill>
@@ -5058,7 +4635,7 @@
           <a:lstStyle/>
           <a:p>
             <a:pPr eaLnBrk="1" hangingPunct="1"/>
-            <a:endParaRPr lang="en-US" altLang="en-US" smtClean="0">
+            <a:endParaRPr lang="en-US" altLang="en-US">
               <a:latin typeface="Arial" panose="020B0604020202020204" pitchFamily="34" charset="0"/>
             </a:endParaRPr>
           </a:p>
@@ -5067,7 +4644,7 @@
     </p:spTree>
     <p:extLst>
       <p:ext uri="{BB962C8B-B14F-4D97-AF65-F5344CB8AC3E}">
-        <p14:creationId xmlns:p14="http://schemas.microsoft.com/office/powerpoint/2010/main" xmlns="" val="1144560941"/>
+        <p14:creationId xmlns:p14="http://schemas.microsoft.com/office/powerpoint/2010/main" val="1144560941"/>
       </p:ext>
     </p:extLst>
   </p:cSld>
@@ -5109,14 +4686,14 @@
           <a:ln/>
           <a:extLst>
             <a:ext uri="{909E8E84-426E-40DD-AFC4-6F175D3DCCD1}">
-              <a14:hiddenFill xmlns:a14="http://schemas.microsoft.com/office/drawing/2010/main" xmlns="">
+              <a14:hiddenFill xmlns:a14="http://schemas.microsoft.com/office/drawing/2010/main">
                 <a:solidFill>
                   <a:srgbClr val="FFFFFF"/>
                 </a:solidFill>
               </a14:hiddenFill>
             </a:ext>
             <a:ext uri="{91240B29-F687-4F45-9708-019B960494DF}">
-              <a14:hiddenLine xmlns:a14="http://schemas.microsoft.com/office/drawing/2010/main" xmlns="" w="9525">
+              <a14:hiddenLine xmlns:a14="http://schemas.microsoft.com/office/drawing/2010/main" w="9525">
                 <a:solidFill>
                   <a:srgbClr val="000000"/>
                 </a:solidFill>
@@ -5267,14 +4844,14 @@
           <a:ln/>
           <a:extLst>
             <a:ext uri="{909E8E84-426E-40DD-AFC4-6F175D3DCCD1}">
-              <a14:hiddenFill xmlns:a14="http://schemas.microsoft.com/office/drawing/2010/main" xmlns="">
+              <a14:hiddenFill xmlns:a14="http://schemas.microsoft.com/office/drawing/2010/main">
                 <a:solidFill>
                   <a:srgbClr val="FFFFFF"/>
                 </a:solidFill>
               </a14:hiddenFill>
             </a:ext>
             <a:ext uri="{91240B29-F687-4F45-9708-019B960494DF}">
-              <a14:hiddenLine xmlns:a14="http://schemas.microsoft.com/office/drawing/2010/main" xmlns="" w="9525">
+              <a14:hiddenLine xmlns:a14="http://schemas.microsoft.com/office/drawing/2010/main" w="9525">
                 <a:solidFill>
                   <a:srgbClr val="000000"/>
                 </a:solidFill>
@@ -5290,7 +4867,7 @@
           <a:lstStyle/>
           <a:p>
             <a:pPr eaLnBrk="1" hangingPunct="1"/>
-            <a:endParaRPr lang="en-US" altLang="en-US" smtClean="0">
+            <a:endParaRPr lang="en-US" altLang="en-US">
               <a:latin typeface="Arial" panose="020B0604020202020204" pitchFamily="34" charset="0"/>
             </a:endParaRPr>
           </a:p>
@@ -5299,7 +4876,7 @@
     </p:spTree>
     <p:extLst>
       <p:ext uri="{BB962C8B-B14F-4D97-AF65-F5344CB8AC3E}">
-        <p14:creationId xmlns:p14="http://schemas.microsoft.com/office/powerpoint/2010/main" xmlns="" val="2371028679"/>
+        <p14:creationId xmlns:p14="http://schemas.microsoft.com/office/powerpoint/2010/main" val="2371028679"/>
       </p:ext>
     </p:extLst>
   </p:cSld>
@@ -5341,14 +4918,14 @@
           <a:ln/>
           <a:extLst>
             <a:ext uri="{909E8E84-426E-40DD-AFC4-6F175D3DCCD1}">
-              <a14:hiddenFill xmlns:a14="http://schemas.microsoft.com/office/drawing/2010/main" xmlns="">
+              <a14:hiddenFill xmlns:a14="http://schemas.microsoft.com/office/drawing/2010/main">
                 <a:solidFill>
                   <a:srgbClr val="FFFFFF"/>
                 </a:solidFill>
               </a14:hiddenFill>
             </a:ext>
             <a:ext uri="{91240B29-F687-4F45-9708-019B960494DF}">
-              <a14:hiddenLine xmlns:a14="http://schemas.microsoft.com/office/drawing/2010/main" xmlns="" w="9525">
+              <a14:hiddenLine xmlns:a14="http://schemas.microsoft.com/office/drawing/2010/main" w="9525">
                 <a:solidFill>
                   <a:srgbClr val="000000"/>
                 </a:solidFill>
@@ -5499,14 +5076,14 @@
           <a:ln/>
           <a:extLst>
             <a:ext uri="{909E8E84-426E-40DD-AFC4-6F175D3DCCD1}">
-              <a14:hiddenFill xmlns:a14="http://schemas.microsoft.com/office/drawing/2010/main" xmlns="">
+              <a14:hiddenFill xmlns:a14="http://schemas.microsoft.com/office/drawing/2010/main">
                 <a:solidFill>
                   <a:srgbClr val="FFFFFF"/>
                 </a:solidFill>
               </a14:hiddenFill>
             </a:ext>
             <a:ext uri="{91240B29-F687-4F45-9708-019B960494DF}">
-              <a14:hiddenLine xmlns:a14="http://schemas.microsoft.com/office/drawing/2010/main" xmlns="" w="9525">
+              <a14:hiddenLine xmlns:a14="http://schemas.microsoft.com/office/drawing/2010/main" w="9525">
                 <a:solidFill>
                   <a:srgbClr val="000000"/>
                 </a:solidFill>
@@ -5522,7 +5099,7 @@
           <a:lstStyle/>
           <a:p>
             <a:pPr eaLnBrk="1" hangingPunct="1"/>
-            <a:endParaRPr lang="en-US" altLang="en-US" smtClean="0">
+            <a:endParaRPr lang="en-US" altLang="en-US">
               <a:latin typeface="Arial" panose="020B0604020202020204" pitchFamily="34" charset="0"/>
             </a:endParaRPr>
           </a:p>
@@ -5531,7 +5108,7 @@
     </p:spTree>
     <p:extLst>
       <p:ext uri="{BB962C8B-B14F-4D97-AF65-F5344CB8AC3E}">
-        <p14:creationId xmlns:p14="http://schemas.microsoft.com/office/powerpoint/2010/main" xmlns="" val="258990903"/>
+        <p14:creationId xmlns:p14="http://schemas.microsoft.com/office/powerpoint/2010/main" val="258990903"/>
       </p:ext>
     </p:extLst>
   </p:cSld>
@@ -5573,14 +5150,14 @@
           <a:ln/>
           <a:extLst>
             <a:ext uri="{909E8E84-426E-40DD-AFC4-6F175D3DCCD1}">
-              <a14:hiddenFill xmlns:a14="http://schemas.microsoft.com/office/drawing/2010/main" xmlns="">
+              <a14:hiddenFill xmlns:a14="http://schemas.microsoft.com/office/drawing/2010/main">
                 <a:solidFill>
                   <a:srgbClr val="FFFFFF"/>
                 </a:solidFill>
               </a14:hiddenFill>
             </a:ext>
             <a:ext uri="{91240B29-F687-4F45-9708-019B960494DF}">
-              <a14:hiddenLine xmlns:a14="http://schemas.microsoft.com/office/drawing/2010/main" xmlns="" w="9525">
+              <a14:hiddenLine xmlns:a14="http://schemas.microsoft.com/office/drawing/2010/main" w="9525">
                 <a:solidFill>
                   <a:srgbClr val="000000"/>
                 </a:solidFill>
@@ -5731,14 +5308,14 @@
           <a:ln/>
           <a:extLst>
             <a:ext uri="{909E8E84-426E-40DD-AFC4-6F175D3DCCD1}">
-              <a14:hiddenFill xmlns:a14="http://schemas.microsoft.com/office/drawing/2010/main" xmlns="">
+              <a14:hiddenFill xmlns:a14="http://schemas.microsoft.com/office/drawing/2010/main">
                 <a:solidFill>
                   <a:srgbClr val="FFFFFF"/>
                 </a:solidFill>
               </a14:hiddenFill>
             </a:ext>
             <a:ext uri="{91240B29-F687-4F45-9708-019B960494DF}">
-              <a14:hiddenLine xmlns:a14="http://schemas.microsoft.com/office/drawing/2010/main" xmlns="" w="9525">
+              <a14:hiddenLine xmlns:a14="http://schemas.microsoft.com/office/drawing/2010/main" w="9525">
                 <a:solidFill>
                   <a:srgbClr val="000000"/>
                 </a:solidFill>
@@ -5754,7 +5331,7 @@
           <a:lstStyle/>
           <a:p>
             <a:pPr eaLnBrk="1" hangingPunct="1"/>
-            <a:endParaRPr lang="en-US" altLang="en-US" smtClean="0">
+            <a:endParaRPr lang="en-US" altLang="en-US">
               <a:latin typeface="Arial" panose="020B0604020202020204" pitchFamily="34" charset="0"/>
             </a:endParaRPr>
           </a:p>
@@ -5782,14 +5359,14 @@
           </a:ln>
           <a:extLst>
             <a:ext uri="{909E8E84-426E-40DD-AFC4-6F175D3DCCD1}">
-              <a14:hiddenFill xmlns:a14="http://schemas.microsoft.com/office/drawing/2010/main" xmlns="">
+              <a14:hiddenFill xmlns:a14="http://schemas.microsoft.com/office/drawing/2010/main">
                 <a:solidFill>
                   <a:srgbClr val="FFFFFF"/>
                 </a:solidFill>
               </a14:hiddenFill>
             </a:ext>
             <a:ext uri="{91240B29-F687-4F45-9708-019B960494DF}">
-              <a14:hiddenLine xmlns:a14="http://schemas.microsoft.com/office/drawing/2010/main" xmlns="" w="9525">
+              <a14:hiddenLine xmlns:a14="http://schemas.microsoft.com/office/drawing/2010/main" w="9525">
                 <a:solidFill>
                   <a:srgbClr val="000000"/>
                 </a:solidFill>
@@ -5914,7 +5491,7 @@
     </p:spTree>
     <p:extLst>
       <p:ext uri="{BB962C8B-B14F-4D97-AF65-F5344CB8AC3E}">
-        <p14:creationId xmlns:p14="http://schemas.microsoft.com/office/powerpoint/2010/main" xmlns="" val="858004334"/>
+        <p14:creationId xmlns:p14="http://schemas.microsoft.com/office/powerpoint/2010/main" val="858004334"/>
       </p:ext>
     </p:extLst>
   </p:cSld>
@@ -5966,7 +5543,7 @@
           </a:lstStyle>
           <a:p>
             <a:r>
-              <a:rPr lang="en-US" smtClean="0"/>
+              <a:rPr lang="en-US"/>
               <a:t>Click to edit Master title style</a:t>
             </a:r>
             <a:endParaRPr lang="en-IN"/>
@@ -6031,7 +5608,7 @@
           </a:lstStyle>
           <a:p>
             <a:r>
-              <a:rPr lang="en-US" smtClean="0"/>
+              <a:rPr lang="en-US"/>
               <a:t>Click to edit Master subtitle style</a:t>
             </a:r>
             <a:endParaRPr lang="en-IN"/>
@@ -6056,7 +5633,7 @@
             <a:fld id="{892473B2-3D80-4B72-BF7B-DE78283230B3}" type="datetime1">
               <a:rPr lang="en-IN" smtClean="0"/>
               <a:pPr/>
-              <a:t>13-09-2020</a:t>
+              <a:t>16-01-2021</a:t>
             </a:fld>
             <a:endParaRPr lang="en-IN"/>
           </a:p>
@@ -6108,7 +5685,7 @@
     </p:spTree>
     <p:extLst>
       <p:ext uri="{BB962C8B-B14F-4D97-AF65-F5344CB8AC3E}">
-        <p14:creationId xmlns:p14="http://schemas.microsoft.com/office/powerpoint/2010/main" xmlns="" val="2643917035"/>
+        <p14:creationId xmlns:p14="http://schemas.microsoft.com/office/powerpoint/2010/main" val="2643917035"/>
       </p:ext>
     </p:extLst>
   </p:cSld>
@@ -6151,7 +5728,7 @@
           <a:lstStyle/>
           <a:p>
             <a:r>
-              <a:rPr lang="en-US" smtClean="0"/>
+              <a:rPr lang="en-US"/>
               <a:t>Click to edit Master title style</a:t>
             </a:r>
             <a:endParaRPr lang="en-IN"/>
@@ -6175,35 +5752,35 @@
           <a:p>
             <a:pPr lvl="0"/>
             <a:r>
-              <a:rPr lang="en-US" smtClean="0"/>
+              <a:rPr lang="en-US"/>
               <a:t>Click to edit Master text styles</a:t>
             </a:r>
           </a:p>
           <a:p>
             <a:pPr lvl="1"/>
             <a:r>
-              <a:rPr lang="en-US" smtClean="0"/>
+              <a:rPr lang="en-US"/>
               <a:t>Second level</a:t>
             </a:r>
           </a:p>
           <a:p>
             <a:pPr lvl="2"/>
             <a:r>
-              <a:rPr lang="en-US" smtClean="0"/>
+              <a:rPr lang="en-US"/>
               <a:t>Third level</a:t>
             </a:r>
           </a:p>
           <a:p>
             <a:pPr lvl="3"/>
             <a:r>
-              <a:rPr lang="en-US" smtClean="0"/>
+              <a:rPr lang="en-US"/>
               <a:t>Fourth level</a:t>
             </a:r>
           </a:p>
           <a:p>
             <a:pPr lvl="4"/>
             <a:r>
-              <a:rPr lang="en-US" smtClean="0"/>
+              <a:rPr lang="en-US"/>
               <a:t>Fifth level</a:t>
             </a:r>
             <a:endParaRPr lang="en-IN"/>
@@ -6228,7 +5805,7 @@
             <a:fld id="{26621FD2-3B71-4CDE-BA90-F7A6A26F94C0}" type="datetime1">
               <a:rPr lang="en-IN" smtClean="0"/>
               <a:pPr/>
-              <a:t>13-09-2020</a:t>
+              <a:t>16-01-2021</a:t>
             </a:fld>
             <a:endParaRPr lang="en-IN"/>
           </a:p>
@@ -6280,7 +5857,7 @@
     </p:spTree>
     <p:extLst>
       <p:ext uri="{BB962C8B-B14F-4D97-AF65-F5344CB8AC3E}">
-        <p14:creationId xmlns:p14="http://schemas.microsoft.com/office/powerpoint/2010/main" xmlns="" val="3708367113"/>
+        <p14:creationId xmlns:p14="http://schemas.microsoft.com/office/powerpoint/2010/main" val="3708367113"/>
       </p:ext>
     </p:extLst>
   </p:cSld>
@@ -6328,7 +5905,7 @@
           <a:lstStyle/>
           <a:p>
             <a:r>
-              <a:rPr lang="en-US" smtClean="0"/>
+              <a:rPr lang="en-US"/>
               <a:t>Click to edit Master title style</a:t>
             </a:r>
             <a:endParaRPr lang="en-IN"/>
@@ -6357,35 +5934,35 @@
           <a:p>
             <a:pPr lvl="0"/>
             <a:r>
-              <a:rPr lang="en-US" smtClean="0"/>
+              <a:rPr lang="en-US"/>
               <a:t>Click to edit Master text styles</a:t>
             </a:r>
           </a:p>
           <a:p>
             <a:pPr lvl="1"/>
             <a:r>
-              <a:rPr lang="en-US" smtClean="0"/>
+              <a:rPr lang="en-US"/>
               <a:t>Second level</a:t>
             </a:r>
           </a:p>
           <a:p>
             <a:pPr lvl="2"/>
             <a:r>
-              <a:rPr lang="en-US" smtClean="0"/>
+              <a:rPr lang="en-US"/>
               <a:t>Third level</a:t>
             </a:r>
           </a:p>
           <a:p>
             <a:pPr lvl="3"/>
             <a:r>
-              <a:rPr lang="en-US" smtClean="0"/>
+              <a:rPr lang="en-US"/>
               <a:t>Fourth level</a:t>
             </a:r>
           </a:p>
           <a:p>
             <a:pPr lvl="4"/>
             <a:r>
-              <a:rPr lang="en-US" smtClean="0"/>
+              <a:rPr lang="en-US"/>
               <a:t>Fifth level</a:t>
             </a:r>
             <a:endParaRPr lang="en-IN"/>
@@ -6410,7 +5987,7 @@
             <a:fld id="{A220F1B0-212B-4080-9C61-3E446C8F282A}" type="datetime1">
               <a:rPr lang="en-IN" smtClean="0"/>
               <a:pPr/>
-              <a:t>13-09-2020</a:t>
+              <a:t>16-01-2021</a:t>
             </a:fld>
             <a:endParaRPr lang="en-IN"/>
           </a:p>
@@ -6462,7 +6039,7 @@
     </p:spTree>
     <p:extLst>
       <p:ext uri="{BB962C8B-B14F-4D97-AF65-F5344CB8AC3E}">
-        <p14:creationId xmlns:p14="http://schemas.microsoft.com/office/powerpoint/2010/main" xmlns="" val="592264738"/>
+        <p14:creationId xmlns:p14="http://schemas.microsoft.com/office/powerpoint/2010/main" val="592264738"/>
       </p:ext>
     </p:extLst>
   </p:cSld>
@@ -6505,7 +6082,7 @@
           <a:lstStyle/>
           <a:p>
             <a:r>
-              <a:rPr lang="en-US" smtClean="0"/>
+              <a:rPr lang="en-US"/>
               <a:t>Click to edit Master title style</a:t>
             </a:r>
             <a:endParaRPr lang="en-IN"/>
@@ -6529,35 +6106,35 @@
           <a:p>
             <a:pPr lvl="0"/>
             <a:r>
-              <a:rPr lang="en-US" smtClean="0"/>
+              <a:rPr lang="en-US"/>
               <a:t>Click to edit Master text styles</a:t>
             </a:r>
           </a:p>
           <a:p>
             <a:pPr lvl="1"/>
             <a:r>
-              <a:rPr lang="en-US" smtClean="0"/>
+              <a:rPr lang="en-US"/>
               <a:t>Second level</a:t>
             </a:r>
           </a:p>
           <a:p>
             <a:pPr lvl="2"/>
             <a:r>
-              <a:rPr lang="en-US" smtClean="0"/>
+              <a:rPr lang="en-US"/>
               <a:t>Third level</a:t>
             </a:r>
           </a:p>
           <a:p>
             <a:pPr lvl="3"/>
             <a:r>
-              <a:rPr lang="en-US" smtClean="0"/>
+              <a:rPr lang="en-US"/>
               <a:t>Fourth level</a:t>
             </a:r>
           </a:p>
           <a:p>
             <a:pPr lvl="4"/>
             <a:r>
-              <a:rPr lang="en-US" smtClean="0"/>
+              <a:rPr lang="en-US"/>
               <a:t>Fifth level</a:t>
             </a:r>
             <a:endParaRPr lang="en-IN"/>
@@ -6582,7 +6159,7 @@
             <a:fld id="{AB50AED7-1554-467A-B641-BF479E322A1A}" type="datetime1">
               <a:rPr lang="en-IN" smtClean="0"/>
               <a:pPr/>
-              <a:t>13-09-2020</a:t>
+              <a:t>16-01-2021</a:t>
             </a:fld>
             <a:endParaRPr lang="en-IN"/>
           </a:p>
@@ -6634,7 +6211,7 @@
     </p:spTree>
     <p:extLst>
       <p:ext uri="{BB962C8B-B14F-4D97-AF65-F5344CB8AC3E}">
-        <p14:creationId xmlns:p14="http://schemas.microsoft.com/office/powerpoint/2010/main" xmlns="" val="408066764"/>
+        <p14:creationId xmlns:p14="http://schemas.microsoft.com/office/powerpoint/2010/main" val="408066764"/>
       </p:ext>
     </p:extLst>
   </p:cSld>
@@ -6686,7 +6263,7 @@
           </a:lstStyle>
           <a:p>
             <a:r>
-              <a:rPr lang="en-US" smtClean="0"/>
+              <a:rPr lang="en-US"/>
               <a:t>Click to edit Master title style</a:t>
             </a:r>
             <a:endParaRPr lang="en-IN"/>
@@ -6806,7 +6383,7 @@
           <a:p>
             <a:pPr lvl="0"/>
             <a:r>
-              <a:rPr lang="en-US" smtClean="0"/>
+              <a:rPr lang="en-US"/>
               <a:t>Click to edit Master text styles</a:t>
             </a:r>
           </a:p>
@@ -6830,7 +6407,7 @@
             <a:fld id="{BE4060FA-79BF-4258-BA86-21D34DA88C01}" type="datetime1">
               <a:rPr lang="en-IN" smtClean="0"/>
               <a:pPr/>
-              <a:t>13-09-2020</a:t>
+              <a:t>16-01-2021</a:t>
             </a:fld>
             <a:endParaRPr lang="en-IN"/>
           </a:p>
@@ -6882,7 +6459,7 @@
     </p:spTree>
     <p:extLst>
       <p:ext uri="{BB962C8B-B14F-4D97-AF65-F5344CB8AC3E}">
-        <p14:creationId xmlns:p14="http://schemas.microsoft.com/office/powerpoint/2010/main" xmlns="" val="4155647532"/>
+        <p14:creationId xmlns:p14="http://schemas.microsoft.com/office/powerpoint/2010/main" val="4155647532"/>
       </p:ext>
     </p:extLst>
   </p:cSld>
@@ -6925,7 +6502,7 @@
           <a:lstStyle/>
           <a:p>
             <a:r>
-              <a:rPr lang="en-US" smtClean="0"/>
+              <a:rPr lang="en-US"/>
               <a:t>Click to edit Master title style</a:t>
             </a:r>
             <a:endParaRPr lang="en-IN"/>
@@ -6954,35 +6531,35 @@
           <a:p>
             <a:pPr lvl="0"/>
             <a:r>
-              <a:rPr lang="en-US" smtClean="0"/>
+              <a:rPr lang="en-US"/>
               <a:t>Click to edit Master text styles</a:t>
             </a:r>
           </a:p>
           <a:p>
             <a:pPr lvl="1"/>
             <a:r>
-              <a:rPr lang="en-US" smtClean="0"/>
+              <a:rPr lang="en-US"/>
               <a:t>Second level</a:t>
             </a:r>
           </a:p>
           <a:p>
             <a:pPr lvl="2"/>
             <a:r>
-              <a:rPr lang="en-US" smtClean="0"/>
+              <a:rPr lang="en-US"/>
               <a:t>Third level</a:t>
             </a:r>
           </a:p>
           <a:p>
             <a:pPr lvl="3"/>
             <a:r>
-              <a:rPr lang="en-US" smtClean="0"/>
+              <a:rPr lang="en-US"/>
               <a:t>Fourth level</a:t>
             </a:r>
           </a:p>
           <a:p>
             <a:pPr lvl="4"/>
             <a:r>
-              <a:rPr lang="en-US" smtClean="0"/>
+              <a:rPr lang="en-US"/>
               <a:t>Fifth level</a:t>
             </a:r>
             <a:endParaRPr lang="en-IN"/>
@@ -7011,35 +6588,35 @@
           <a:p>
             <a:pPr lvl="0"/>
             <a:r>
-              <a:rPr lang="en-US" smtClean="0"/>
+              <a:rPr lang="en-US"/>
               <a:t>Click to edit Master text styles</a:t>
             </a:r>
           </a:p>
           <a:p>
             <a:pPr lvl="1"/>
             <a:r>
-              <a:rPr lang="en-US" smtClean="0"/>
+              <a:rPr lang="en-US"/>
               <a:t>Second level</a:t>
             </a:r>
           </a:p>
           <a:p>
             <a:pPr lvl="2"/>
             <a:r>
-              <a:rPr lang="en-US" smtClean="0"/>
+              <a:rPr lang="en-US"/>
               <a:t>Third level</a:t>
             </a:r>
           </a:p>
           <a:p>
             <a:pPr lvl="3"/>
             <a:r>
-              <a:rPr lang="en-US" smtClean="0"/>
+              <a:rPr lang="en-US"/>
               <a:t>Fourth level</a:t>
             </a:r>
           </a:p>
           <a:p>
             <a:pPr lvl="4"/>
             <a:r>
-              <a:rPr lang="en-US" smtClean="0"/>
+              <a:rPr lang="en-US"/>
               <a:t>Fifth level</a:t>
             </a:r>
             <a:endParaRPr lang="en-IN"/>
@@ -7064,7 +6641,7 @@
             <a:fld id="{E66FA4D7-486F-457C-90D5-648DD06A9268}" type="datetime1">
               <a:rPr lang="en-IN" smtClean="0"/>
               <a:pPr/>
-              <a:t>13-09-2020</a:t>
+              <a:t>16-01-2021</a:t>
             </a:fld>
             <a:endParaRPr lang="en-IN"/>
           </a:p>
@@ -7116,7 +6693,7 @@
     </p:spTree>
     <p:extLst>
       <p:ext uri="{BB962C8B-B14F-4D97-AF65-F5344CB8AC3E}">
-        <p14:creationId xmlns:p14="http://schemas.microsoft.com/office/powerpoint/2010/main" xmlns="" val="3608780824"/>
+        <p14:creationId xmlns:p14="http://schemas.microsoft.com/office/powerpoint/2010/main" val="3608780824"/>
       </p:ext>
     </p:extLst>
   </p:cSld>
@@ -7164,7 +6741,7 @@
           <a:lstStyle/>
           <a:p>
             <a:r>
-              <a:rPr lang="en-US" smtClean="0"/>
+              <a:rPr lang="en-US"/>
               <a:t>Click to edit Master title style</a:t>
             </a:r>
             <a:endParaRPr lang="en-IN"/>
@@ -7230,7 +6807,7 @@
           <a:p>
             <a:pPr lvl="0"/>
             <a:r>
-              <a:rPr lang="en-US" smtClean="0"/>
+              <a:rPr lang="en-US"/>
               <a:t>Click to edit Master text styles</a:t>
             </a:r>
           </a:p>
@@ -7258,35 +6835,35 @@
           <a:p>
             <a:pPr lvl="0"/>
             <a:r>
-              <a:rPr lang="en-US" smtClean="0"/>
+              <a:rPr lang="en-US"/>
               <a:t>Click to edit Master text styles</a:t>
             </a:r>
           </a:p>
           <a:p>
             <a:pPr lvl="1"/>
             <a:r>
-              <a:rPr lang="en-US" smtClean="0"/>
+              <a:rPr lang="en-US"/>
               <a:t>Second level</a:t>
             </a:r>
           </a:p>
           <a:p>
             <a:pPr lvl="2"/>
             <a:r>
-              <a:rPr lang="en-US" smtClean="0"/>
+              <a:rPr lang="en-US"/>
               <a:t>Third level</a:t>
             </a:r>
           </a:p>
           <a:p>
             <a:pPr lvl="3"/>
             <a:r>
-              <a:rPr lang="en-US" smtClean="0"/>
+              <a:rPr lang="en-US"/>
               <a:t>Fourth level</a:t>
             </a:r>
           </a:p>
           <a:p>
             <a:pPr lvl="4"/>
             <a:r>
-              <a:rPr lang="en-US" smtClean="0"/>
+              <a:rPr lang="en-US"/>
               <a:t>Fifth level</a:t>
             </a:r>
             <a:endParaRPr lang="en-IN"/>
@@ -7352,7 +6929,7 @@
           <a:p>
             <a:pPr lvl="0"/>
             <a:r>
-              <a:rPr lang="en-US" smtClean="0"/>
+              <a:rPr lang="en-US"/>
               <a:t>Click to edit Master text styles</a:t>
             </a:r>
           </a:p>
@@ -7380,35 +6957,35 @@
           <a:p>
             <a:pPr lvl="0"/>
             <a:r>
-              <a:rPr lang="en-US" smtClean="0"/>
+              <a:rPr lang="en-US"/>
               <a:t>Click to edit Master text styles</a:t>
             </a:r>
           </a:p>
           <a:p>
             <a:pPr lvl="1"/>
             <a:r>
-              <a:rPr lang="en-US" smtClean="0"/>
+              <a:rPr lang="en-US"/>
               <a:t>Second level</a:t>
             </a:r>
           </a:p>
           <a:p>
             <a:pPr lvl="2"/>
             <a:r>
-              <a:rPr lang="en-US" smtClean="0"/>
+              <a:rPr lang="en-US"/>
               <a:t>Third level</a:t>
             </a:r>
           </a:p>
           <a:p>
             <a:pPr lvl="3"/>
             <a:r>
-              <a:rPr lang="en-US" smtClean="0"/>
+              <a:rPr lang="en-US"/>
               <a:t>Fourth level</a:t>
             </a:r>
           </a:p>
           <a:p>
             <a:pPr lvl="4"/>
             <a:r>
-              <a:rPr lang="en-US" smtClean="0"/>
+              <a:rPr lang="en-US"/>
               <a:t>Fifth level</a:t>
             </a:r>
             <a:endParaRPr lang="en-IN"/>
@@ -7433,7 +7010,7 @@
             <a:fld id="{0FA39800-C143-4C84-9DE2-44CA7DBE1CEA}" type="datetime1">
               <a:rPr lang="en-IN" smtClean="0"/>
               <a:pPr/>
-              <a:t>13-09-2020</a:t>
+              <a:t>16-01-2021</a:t>
             </a:fld>
             <a:endParaRPr lang="en-IN"/>
           </a:p>
@@ -7485,7 +7062,7 @@
     </p:spTree>
     <p:extLst>
       <p:ext uri="{BB962C8B-B14F-4D97-AF65-F5344CB8AC3E}">
-        <p14:creationId xmlns:p14="http://schemas.microsoft.com/office/powerpoint/2010/main" xmlns="" val="455947246"/>
+        <p14:creationId xmlns:p14="http://schemas.microsoft.com/office/powerpoint/2010/main" val="455947246"/>
       </p:ext>
     </p:extLst>
   </p:cSld>
@@ -7528,7 +7105,7 @@
           <a:lstStyle/>
           <a:p>
             <a:r>
-              <a:rPr lang="en-US" smtClean="0"/>
+              <a:rPr lang="en-US"/>
               <a:t>Click to edit Master title style</a:t>
             </a:r>
             <a:endParaRPr lang="en-IN"/>
@@ -7553,7 +7130,7 @@
             <a:fld id="{432FEFA5-4F1C-4BE9-AC7E-C046774ACAFA}" type="datetime1">
               <a:rPr lang="en-IN" smtClean="0"/>
               <a:pPr/>
-              <a:t>13-09-2020</a:t>
+              <a:t>16-01-2021</a:t>
             </a:fld>
             <a:endParaRPr lang="en-IN"/>
           </a:p>
@@ -7605,7 +7182,7 @@
     </p:spTree>
     <p:extLst>
       <p:ext uri="{BB962C8B-B14F-4D97-AF65-F5344CB8AC3E}">
-        <p14:creationId xmlns:p14="http://schemas.microsoft.com/office/powerpoint/2010/main" xmlns="" val="846939467"/>
+        <p14:creationId xmlns:p14="http://schemas.microsoft.com/office/powerpoint/2010/main" val="846939467"/>
       </p:ext>
     </p:extLst>
   </p:cSld>
@@ -7650,7 +7227,7 @@
             <a:fld id="{6FAC77AA-B001-4305-A5BA-D1B493565255}" type="datetime1">
               <a:rPr lang="en-IN" smtClean="0"/>
               <a:pPr/>
-              <a:t>13-09-2020</a:t>
+              <a:t>16-01-2021</a:t>
             </a:fld>
             <a:endParaRPr lang="en-IN"/>
           </a:p>
@@ -7702,7 +7279,7 @@
     </p:spTree>
     <p:extLst>
       <p:ext uri="{BB962C8B-B14F-4D97-AF65-F5344CB8AC3E}">
-        <p14:creationId xmlns:p14="http://schemas.microsoft.com/office/powerpoint/2010/main" xmlns="" val="3276723456"/>
+        <p14:creationId xmlns:p14="http://schemas.microsoft.com/office/powerpoint/2010/main" val="3276723456"/>
       </p:ext>
     </p:extLst>
   </p:cSld>
@@ -7754,7 +7331,7 @@
           </a:lstStyle>
           <a:p>
             <a:r>
-              <a:rPr lang="en-US" smtClean="0"/>
+              <a:rPr lang="en-US"/>
               <a:t>Click to edit Master title style</a:t>
             </a:r>
             <a:endParaRPr lang="en-IN"/>
@@ -7811,35 +7388,35 @@
           <a:p>
             <a:pPr lvl="0"/>
             <a:r>
-              <a:rPr lang="en-US" smtClean="0"/>
+              <a:rPr lang="en-US"/>
               <a:t>Click to edit Master text styles</a:t>
             </a:r>
           </a:p>
           <a:p>
             <a:pPr lvl="1"/>
             <a:r>
-              <a:rPr lang="en-US" smtClean="0"/>
+              <a:rPr lang="en-US"/>
               <a:t>Second level</a:t>
             </a:r>
           </a:p>
           <a:p>
             <a:pPr lvl="2"/>
             <a:r>
-              <a:rPr lang="en-US" smtClean="0"/>
+              <a:rPr lang="en-US"/>
               <a:t>Third level</a:t>
             </a:r>
           </a:p>
           <a:p>
             <a:pPr lvl="3"/>
             <a:r>
-              <a:rPr lang="en-US" smtClean="0"/>
+              <a:rPr lang="en-US"/>
               <a:t>Fourth level</a:t>
             </a:r>
           </a:p>
           <a:p>
             <a:pPr lvl="4"/>
             <a:r>
-              <a:rPr lang="en-US" smtClean="0"/>
+              <a:rPr lang="en-US"/>
               <a:t>Fifth level</a:t>
             </a:r>
             <a:endParaRPr lang="en-IN"/>
@@ -7905,7 +7482,7 @@
           <a:p>
             <a:pPr lvl="0"/>
             <a:r>
-              <a:rPr lang="en-US" smtClean="0"/>
+              <a:rPr lang="en-US"/>
               <a:t>Click to edit Master text styles</a:t>
             </a:r>
           </a:p>
@@ -7929,7 +7506,7 @@
             <a:fld id="{67FA4C4A-025C-4833-86A7-A64712780B70}" type="datetime1">
               <a:rPr lang="en-IN" smtClean="0"/>
               <a:pPr/>
-              <a:t>13-09-2020</a:t>
+              <a:t>16-01-2021</a:t>
             </a:fld>
             <a:endParaRPr lang="en-IN"/>
           </a:p>
@@ -7981,7 +7558,7 @@
     </p:spTree>
     <p:extLst>
       <p:ext uri="{BB962C8B-B14F-4D97-AF65-F5344CB8AC3E}">
-        <p14:creationId xmlns:p14="http://schemas.microsoft.com/office/powerpoint/2010/main" xmlns="" val="349326584"/>
+        <p14:creationId xmlns:p14="http://schemas.microsoft.com/office/powerpoint/2010/main" val="349326584"/>
       </p:ext>
     </p:extLst>
   </p:cSld>
@@ -8033,7 +7610,7 @@
           </a:lstStyle>
           <a:p>
             <a:r>
-              <a:rPr lang="en-US" smtClean="0"/>
+              <a:rPr lang="en-US"/>
               <a:t>Click to edit Master title style</a:t>
             </a:r>
             <a:endParaRPr lang="en-IN"/>
@@ -8160,7 +7737,7 @@
           <a:p>
             <a:pPr lvl="0"/>
             <a:r>
-              <a:rPr lang="en-US" smtClean="0"/>
+              <a:rPr lang="en-US"/>
               <a:t>Click to edit Master text styles</a:t>
             </a:r>
           </a:p>
@@ -8184,7 +7761,7 @@
             <a:fld id="{38AB2F95-8A56-439F-9A9F-91784A4608BF}" type="datetime1">
               <a:rPr lang="en-IN" smtClean="0"/>
               <a:pPr/>
-              <a:t>13-09-2020</a:t>
+              <a:t>16-01-2021</a:t>
             </a:fld>
             <a:endParaRPr lang="en-IN"/>
           </a:p>
@@ -8236,7 +7813,7 @@
     </p:spTree>
     <p:extLst>
       <p:ext uri="{BB962C8B-B14F-4D97-AF65-F5344CB8AC3E}">
-        <p14:creationId xmlns:p14="http://schemas.microsoft.com/office/powerpoint/2010/main" xmlns="" val="3395598701"/>
+        <p14:creationId xmlns:p14="http://schemas.microsoft.com/office/powerpoint/2010/main" val="3395598701"/>
       </p:ext>
     </p:extLst>
   </p:cSld>
@@ -8294,7 +7871,7 @@
           <a:lstStyle/>
           <a:p>
             <a:r>
-              <a:rPr lang="en-US" smtClean="0"/>
+              <a:rPr lang="en-US"/>
               <a:t>Click to edit Master title style</a:t>
             </a:r>
             <a:endParaRPr lang="en-IN"/>
@@ -8328,35 +7905,35 @@
           <a:p>
             <a:pPr lvl="0"/>
             <a:r>
-              <a:rPr lang="en-US" smtClean="0"/>
+              <a:rPr lang="en-US"/>
               <a:t>Click to edit Master text styles</a:t>
             </a:r>
           </a:p>
           <a:p>
             <a:pPr lvl="1"/>
             <a:r>
-              <a:rPr lang="en-US" smtClean="0"/>
+              <a:rPr lang="en-US"/>
               <a:t>Second level</a:t>
             </a:r>
           </a:p>
           <a:p>
             <a:pPr lvl="2"/>
             <a:r>
-              <a:rPr lang="en-US" smtClean="0"/>
+              <a:rPr lang="en-US"/>
               <a:t>Third level</a:t>
             </a:r>
           </a:p>
           <a:p>
             <a:pPr lvl="3"/>
             <a:r>
-              <a:rPr lang="en-US" smtClean="0"/>
+              <a:rPr lang="en-US"/>
               <a:t>Fourth level</a:t>
             </a:r>
           </a:p>
           <a:p>
             <a:pPr lvl="4"/>
             <a:r>
-              <a:rPr lang="en-US" smtClean="0"/>
+              <a:rPr lang="en-US"/>
               <a:t>Fifth level</a:t>
             </a:r>
             <a:endParaRPr lang="en-IN"/>
@@ -8399,7 +7976,7 @@
             <a:fld id="{06EA6564-8BEC-4BF5-B412-90A74A6CDA88}" type="datetime1">
               <a:rPr lang="en-IN" smtClean="0"/>
               <a:pPr/>
-              <a:t>13-09-2020</a:t>
+              <a:t>16-01-2021</a:t>
             </a:fld>
             <a:endParaRPr lang="en-IN"/>
           </a:p>
@@ -8487,7 +8064,7 @@
     </p:spTree>
     <p:extLst>
       <p:ext uri="{BB962C8B-B14F-4D97-AF65-F5344CB8AC3E}">
-        <p14:creationId xmlns:p14="http://schemas.microsoft.com/office/powerpoint/2010/main" xmlns="" val="1006902301"/>
+        <p14:creationId xmlns:p14="http://schemas.microsoft.com/office/powerpoint/2010/main" val="1006902301"/>
       </p:ext>
     </p:extLst>
   </p:cSld>
@@ -8823,7 +8400,7 @@
           <a:p>
             <a:pPr eaLnBrk="1" hangingPunct="1"/>
             <a:r>
-              <a:rPr lang="en-US" altLang="en-US" dirty="0" smtClean="0"/>
+              <a:rPr lang="en-US" altLang="en-US" dirty="0"/>
               <a:t>Parameters of Cache memory</a:t>
             </a:r>
           </a:p>
@@ -8944,20 +8521,13 @@
     </p:spTree>
     <p:extLst>
       <p:ext uri="{BB962C8B-B14F-4D97-AF65-F5344CB8AC3E}">
-        <p14:creationId xmlns:p14="http://schemas.microsoft.com/office/powerpoint/2010/main" xmlns="" val="2096814522"/>
+        <p14:creationId xmlns:p14="http://schemas.microsoft.com/office/powerpoint/2010/main" val="2096814522"/>
       </p:ext>
     </p:extLst>
   </p:cSld>
   <p:clrMapOvr>
     <a:masterClrMapping/>
   </p:clrMapOvr>
-  <p:timing>
-    <p:tnLst>
-      <p:par>
-        <p:cTn id="1" dur="indefinite" restart="never" nodeType="tmRoot"/>
-      </p:par>
-    </p:tnLst>
-  </p:timing>
 </p:sld>
 </file>
 
@@ -8995,7 +8565,7 @@
           <a:p>
             <a:pPr eaLnBrk="1" hangingPunct="1"/>
             <a:r>
-              <a:rPr lang="en-US" altLang="en-US" smtClean="0"/>
+              <a:rPr lang="en-US" altLang="en-US"/>
               <a:t>Problem 2</a:t>
             </a:r>
           </a:p>
@@ -9036,7 +8606,7 @@
           <a:blip r:embed="rId2">
             <a:extLst>
               <a:ext uri="{28A0092B-C50C-407E-A947-70E740481C1C}">
-                <a14:useLocalDpi xmlns:a14="http://schemas.microsoft.com/office/drawing/2010/main" xmlns="" val="0"/>
+                <a14:useLocalDpi xmlns:a14="http://schemas.microsoft.com/office/drawing/2010/main" val="0"/>
               </a:ext>
             </a:extLst>
           </a:blip>
@@ -9059,14 +8629,14 @@
           </a:ln>
           <a:extLst>
             <a:ext uri="{909E8E84-426E-40DD-AFC4-6F175D3DCCD1}">
-              <a14:hiddenFill xmlns:a14="http://schemas.microsoft.com/office/drawing/2010/main" xmlns="">
+              <a14:hiddenFill xmlns:a14="http://schemas.microsoft.com/office/drawing/2010/main">
                 <a:solidFill>
                   <a:srgbClr val="FFFFFF"/>
                 </a:solidFill>
               </a14:hiddenFill>
             </a:ext>
             <a:ext uri="{91240B29-F687-4F45-9708-019B960494DF}">
-              <a14:hiddenLine xmlns:a14="http://schemas.microsoft.com/office/drawing/2010/main" xmlns="" w="9525">
+              <a14:hiddenLine xmlns:a14="http://schemas.microsoft.com/office/drawing/2010/main" w="9525">
                 <a:solidFill>
                   <a:srgbClr val="000000"/>
                 </a:solidFill>
@@ -9081,7 +8651,7 @@
     </p:spTree>
     <p:extLst>
       <p:ext uri="{BB962C8B-B14F-4D97-AF65-F5344CB8AC3E}">
-        <p14:creationId xmlns:p14="http://schemas.microsoft.com/office/powerpoint/2010/main" xmlns="" val="1523394342"/>
+        <p14:creationId xmlns:p14="http://schemas.microsoft.com/office/powerpoint/2010/main" val="1523394342"/>
       </p:ext>
     </p:extLst>
   </p:cSld>
@@ -9200,12 +8770,12 @@
           <a:p>
             <a:pPr eaLnBrk="1" hangingPunct="1"/>
             <a:r>
-              <a:rPr lang="en-US" altLang="ko-KR" b="1" smtClean="0">
+              <a:rPr lang="en-US" altLang="ko-KR" b="1">
                 <a:ea typeface="굴림" charset="-127"/>
               </a:rPr>
               <a:t>Block Replacement</a:t>
             </a:r>
-            <a:endParaRPr lang="en-US" altLang="en-US" b="1" smtClean="0"/>
+            <a:endParaRPr lang="en-US" altLang="en-US" b="1"/>
           </a:p>
         </p:txBody>
       </p:sp>
@@ -9292,7 +8862,7 @@
     </p:spTree>
     <p:extLst>
       <p:ext uri="{BB962C8B-B14F-4D97-AF65-F5344CB8AC3E}">
-        <p14:creationId xmlns:p14="http://schemas.microsoft.com/office/powerpoint/2010/main" xmlns="" val="1033340181"/>
+        <p14:creationId xmlns:p14="http://schemas.microsoft.com/office/powerpoint/2010/main" val="1033340181"/>
       </p:ext>
     </p:extLst>
   </p:cSld>
@@ -9300,13 +8870,6 @@
     <a:masterClrMapping/>
   </p:clrMapOvr>
   <p:transition/>
-  <p:timing>
-    <p:tnLst>
-      <p:par>
-        <p:cTn id="1" dur="indefinite" restart="never" nodeType="tmRoot"/>
-      </p:par>
-    </p:tnLst>
-  </p:timing>
 </p:sld>
 </file>
 
@@ -9344,7 +8907,7 @@
           <a:p>
             <a:pPr eaLnBrk="1" hangingPunct="1"/>
             <a:r>
-              <a:rPr lang="en-US" altLang="en-US" smtClean="0"/>
+              <a:rPr lang="en-US" altLang="en-US"/>
               <a:t>Update Policies - Write Through</a:t>
             </a:r>
           </a:p>
@@ -9404,20 +8967,13 @@
     </p:spTree>
     <p:extLst>
       <p:ext uri="{BB962C8B-B14F-4D97-AF65-F5344CB8AC3E}">
-        <p14:creationId xmlns:p14="http://schemas.microsoft.com/office/powerpoint/2010/main" xmlns="" val="2020002856"/>
+        <p14:creationId xmlns:p14="http://schemas.microsoft.com/office/powerpoint/2010/main" val="2020002856"/>
       </p:ext>
     </p:extLst>
   </p:cSld>
   <p:clrMapOvr>
     <a:masterClrMapping/>
   </p:clrMapOvr>
-  <p:timing>
-    <p:tnLst>
-      <p:par>
-        <p:cTn id="1" dur="indefinite" restart="never" nodeType="tmRoot"/>
-      </p:par>
-    </p:tnLst>
-  </p:timing>
 </p:sld>
 </file>
 
@@ -9455,7 +9011,7 @@
           <a:p>
             <a:pPr eaLnBrk="1" hangingPunct="1"/>
             <a:r>
-              <a:rPr lang="en-US" altLang="en-US" smtClean="0"/>
+              <a:rPr lang="en-US" altLang="en-US"/>
               <a:t>Write Back</a:t>
             </a:r>
           </a:p>
@@ -9478,40 +9034,33 @@
           <a:p>
             <a:pPr eaLnBrk="1" hangingPunct="1"/>
             <a:r>
-              <a:rPr lang="en-US" altLang="en-US" smtClean="0"/>
+              <a:rPr lang="en-US" altLang="en-US"/>
               <a:t>Only cache is updated during write operation and marked by flag. When the word is removed from the cache, it is copied into main memory</a:t>
             </a:r>
           </a:p>
           <a:p>
             <a:pPr eaLnBrk="1" hangingPunct="1"/>
             <a:r>
-              <a:rPr lang="en-US" altLang="en-US" smtClean="0"/>
+              <a:rPr lang="en-US" altLang="en-US"/>
               <a:t>Memory is not up-to-date, i.e., the same item in cache and memory may have different value</a:t>
             </a:r>
           </a:p>
           <a:p>
             <a:pPr eaLnBrk="1" hangingPunct="1"/>
-            <a:endParaRPr lang="en-US" altLang="en-US" smtClean="0"/>
+            <a:endParaRPr lang="en-US" altLang="en-US"/>
           </a:p>
         </p:txBody>
       </p:sp>
     </p:spTree>
     <p:extLst>
       <p:ext uri="{BB962C8B-B14F-4D97-AF65-F5344CB8AC3E}">
-        <p14:creationId xmlns:p14="http://schemas.microsoft.com/office/powerpoint/2010/main" xmlns="" val="3999433161"/>
+        <p14:creationId xmlns:p14="http://schemas.microsoft.com/office/powerpoint/2010/main" val="3999433161"/>
       </p:ext>
     </p:extLst>
   </p:cSld>
   <p:clrMapOvr>
     <a:masterClrMapping/>
   </p:clrMapOvr>
-  <p:timing>
-    <p:tnLst>
-      <p:par>
-        <p:cTn id="1" dur="indefinite" restart="never" nodeType="tmRoot"/>
-      </p:par>
-    </p:tnLst>
-  </p:timing>
 </p:sld>
 </file>
 
@@ -9549,12 +9098,12 @@
           <a:p>
             <a:pPr eaLnBrk="1" hangingPunct="1"/>
             <a:r>
-              <a:rPr lang="en-US" altLang="ko-KR" b="1" smtClean="0">
+              <a:rPr lang="en-US" altLang="ko-KR" b="1">
                 <a:ea typeface="굴림" charset="-127"/>
               </a:rPr>
               <a:t>Update policies</a:t>
             </a:r>
-            <a:endParaRPr lang="en-US" altLang="en-US" b="1" smtClean="0"/>
+            <a:endParaRPr lang="en-US" altLang="en-US" b="1"/>
           </a:p>
         </p:txBody>
       </p:sp>
@@ -9580,7 +9129,7 @@
           <a:p>
             <a:pPr eaLnBrk="1" hangingPunct="1"/>
             <a:r>
-              <a:rPr lang="en-US" altLang="ko-KR" b="1" smtClean="0">
+              <a:rPr lang="en-US" altLang="ko-KR" b="1">
                 <a:ea typeface="굴림" charset="-127"/>
               </a:rPr>
               <a:t>Write-Around</a:t>
@@ -9589,25 +9138,25 @@
           <a:p>
             <a:pPr lvl="1" eaLnBrk="1" hangingPunct="1"/>
             <a:r>
-              <a:rPr lang="en-US" altLang="ko-KR" b="1" smtClean="0">
+              <a:rPr lang="en-US" altLang="ko-KR" b="1">
                 <a:ea typeface="굴림" charset="-127"/>
               </a:rPr>
               <a:t>correspond to items not currently in the cache (i.e. write misses) the item could be updated in main memory only without affecting the cache.</a:t>
             </a:r>
             <a:r>
-              <a:rPr lang="en-US" altLang="ko-KR" smtClean="0">
+              <a:rPr lang="en-US" altLang="ko-KR">
                 <a:ea typeface="굴림" charset="-127"/>
               </a:rPr>
               <a:t> </a:t>
             </a:r>
-            <a:endParaRPr lang="en-US" altLang="ko-KR" b="1" smtClean="0">
+            <a:endParaRPr lang="en-US" altLang="ko-KR" b="1">
               <a:ea typeface="굴림" charset="-127"/>
             </a:endParaRPr>
           </a:p>
           <a:p>
             <a:pPr eaLnBrk="1" hangingPunct="1"/>
             <a:r>
-              <a:rPr lang="en-US" altLang="ko-KR" b="1" smtClean="0">
+              <a:rPr lang="en-US" altLang="ko-KR" b="1">
                 <a:ea typeface="굴림" charset="-127"/>
               </a:rPr>
               <a:t>Write-Allocate</a:t>
@@ -9616,11 +9165,11 @@
           <a:p>
             <a:pPr lvl="1" algn="just" eaLnBrk="1" hangingPunct="1"/>
             <a:r>
-              <a:rPr lang="en-US" altLang="en-US" b="1" smtClean="0"/>
+              <a:rPr lang="en-US" altLang="en-US" b="1"/>
               <a:t>update the item in main memory and bring the block containing the updated item into the cache.</a:t>
             </a:r>
             <a:r>
-              <a:rPr lang="en-US" altLang="en-US" smtClean="0"/>
+              <a:rPr lang="en-US" altLang="en-US"/>
               <a:t> </a:t>
             </a:r>
           </a:p>
@@ -9629,7 +9178,7 @@
     </p:spTree>
     <p:extLst>
       <p:ext uri="{BB962C8B-B14F-4D97-AF65-F5344CB8AC3E}">
-        <p14:creationId xmlns:p14="http://schemas.microsoft.com/office/powerpoint/2010/main" xmlns="" val="896060008"/>
+        <p14:creationId xmlns:p14="http://schemas.microsoft.com/office/powerpoint/2010/main" val="896060008"/>
       </p:ext>
     </p:extLst>
   </p:cSld>
@@ -9637,13 +9186,6 @@
     <a:masterClrMapping/>
   </p:clrMapOvr>
   <p:transition/>
-  <p:timing>
-    <p:tnLst>
-      <p:par>
-        <p:cTn id="1" dur="indefinite" restart="never" nodeType="tmRoot"/>
-      </p:par>
-    </p:tnLst>
-  </p:timing>
 </p:sld>
 </file>
 
@@ -9681,7 +9223,7 @@
           <a:p>
             <a:pPr eaLnBrk="1" hangingPunct="1"/>
             <a:r>
-              <a:rPr lang="en-US" altLang="en-US" smtClean="0"/>
+              <a:rPr lang="en-US" altLang="en-US"/>
               <a:t>Performance analysis</a:t>
             </a:r>
           </a:p>
@@ -9704,14 +9246,14 @@
           <a:p>
             <a:pPr algn="just" eaLnBrk="1" hangingPunct="1"/>
             <a:r>
-              <a:rPr lang="en-US" altLang="en-US" smtClean="0"/>
+              <a:rPr lang="en-US" altLang="en-US"/>
               <a:t>Look through: The cache is checked first for a hit, and if a miss occurs then the access to main memory is started.</a:t>
             </a:r>
           </a:p>
           <a:p>
             <a:pPr algn="just" eaLnBrk="1" hangingPunct="1"/>
             <a:r>
-              <a:rPr lang="en-US" altLang="en-US" smtClean="0"/>
+              <a:rPr lang="en-US" altLang="en-US"/>
               <a:t>Look aside: access to main memory in parallel with the cache lookup; </a:t>
             </a:r>
           </a:p>
@@ -9720,20 +9262,13 @@
     </p:spTree>
     <p:extLst>
       <p:ext uri="{BB962C8B-B14F-4D97-AF65-F5344CB8AC3E}">
-        <p14:creationId xmlns:p14="http://schemas.microsoft.com/office/powerpoint/2010/main" xmlns="" val="464424487"/>
+        <p14:creationId xmlns:p14="http://schemas.microsoft.com/office/powerpoint/2010/main" val="464424487"/>
       </p:ext>
     </p:extLst>
   </p:cSld>
   <p:clrMapOvr>
     <a:masterClrMapping/>
   </p:clrMapOvr>
-  <p:timing>
-    <p:tnLst>
-      <p:par>
-        <p:cTn id="1" dur="indefinite" restart="never" nodeType="tmRoot"/>
-      </p:par>
-    </p:tnLst>
-  </p:timing>
 </p:sld>
 </file>
 
@@ -9770,23 +9305,23 @@
           <a:lstStyle/>
           <a:p>
             <a:pPr eaLnBrk="1" hangingPunct="1"/>
-            <a:endParaRPr lang="en-US" altLang="en-US" smtClean="0"/>
+            <a:endParaRPr lang="en-US" altLang="en-US"/>
           </a:p>
           <a:p>
             <a:pPr eaLnBrk="1" hangingPunct="1"/>
-            <a:endParaRPr lang="en-US" altLang="en-US" smtClean="0"/>
+            <a:endParaRPr lang="en-US" altLang="en-US"/>
           </a:p>
           <a:p>
             <a:pPr eaLnBrk="1" hangingPunct="1"/>
-            <a:endParaRPr lang="en-US" altLang="en-US" smtClean="0"/>
+            <a:endParaRPr lang="en-US" altLang="en-US"/>
           </a:p>
           <a:p>
             <a:pPr eaLnBrk="1" hangingPunct="1"/>
-            <a:endParaRPr lang="en-US" altLang="en-US" smtClean="0"/>
+            <a:endParaRPr lang="en-US" altLang="en-US"/>
           </a:p>
           <a:p>
             <a:pPr eaLnBrk="1" hangingPunct="1"/>
-            <a:endParaRPr lang="en-US" altLang="en-US" smtClean="0"/>
+            <a:endParaRPr lang="en-US" altLang="en-US"/>
           </a:p>
           <a:p>
             <a:pPr eaLnBrk="1" hangingPunct="1">
@@ -9794,7 +9329,7 @@
               <a:buNone/>
             </a:pPr>
             <a:r>
-              <a:rPr lang="en-US" altLang="en-US" smtClean="0"/>
+              <a:rPr lang="en-US" altLang="en-US"/>
               <a:t>	</a:t>
             </a:r>
           </a:p>
@@ -9822,14 +9357,14 @@
           </a:ln>
           <a:extLst>
             <a:ext uri="{909E8E84-426E-40DD-AFC4-6F175D3DCCD1}">
-              <a14:hiddenFill xmlns:a14="http://schemas.microsoft.com/office/drawing/2010/main" xmlns="">
+              <a14:hiddenFill xmlns:a14="http://schemas.microsoft.com/office/drawing/2010/main">
                 <a:solidFill>
                   <a:srgbClr val="FFFFFF"/>
                 </a:solidFill>
               </a14:hiddenFill>
             </a:ext>
             <a:ext uri="{91240B29-F687-4F45-9708-019B960494DF}">
-              <a14:hiddenLine xmlns:a14="http://schemas.microsoft.com/office/drawing/2010/main" xmlns="" w="12700" cap="sq">
+              <a14:hiddenLine xmlns:a14="http://schemas.microsoft.com/office/drawing/2010/main" w="12700" cap="sq">
                 <a:solidFill>
                   <a:srgbClr val="000000"/>
                 </a:solidFill>
@@ -10142,7 +9677,7 @@
           </a:ln>
           <a:extLst>
             <a:ext uri="{909E8E84-426E-40DD-AFC4-6F175D3DCCD1}">
-              <a14:hiddenFill xmlns:a14="http://schemas.microsoft.com/office/drawing/2010/main" xmlns="">
+              <a14:hiddenFill xmlns:a14="http://schemas.microsoft.com/office/drawing/2010/main">
                 <a:noFill/>
               </a14:hiddenFill>
             </a:ext>
@@ -10152,20 +9687,13 @@
     </p:spTree>
     <p:extLst>
       <p:ext uri="{BB962C8B-B14F-4D97-AF65-F5344CB8AC3E}">
-        <p14:creationId xmlns:p14="http://schemas.microsoft.com/office/powerpoint/2010/main" xmlns="" val="4064451829"/>
+        <p14:creationId xmlns:p14="http://schemas.microsoft.com/office/powerpoint/2010/main" val="4064451829"/>
       </p:ext>
     </p:extLst>
   </p:cSld>
   <p:clrMapOvr>
     <a:masterClrMapping/>
   </p:clrMapOvr>
-  <p:timing>
-    <p:tnLst>
-      <p:par>
-        <p:cTn id="1" dur="indefinite" restart="never" nodeType="tmRoot"/>
-      </p:par>
-    </p:tnLst>
-  </p:timing>
 </p:sld>
 </file>
 
@@ -10209,17 +9737,9 @@
           <a:lstStyle/>
           <a:p>
             <a:pPr algn="l" eaLnBrk="1" hangingPunct="1"/>
-            <a:r>
-              <a:rPr lang="en-US" altLang="en-US" sz="2400"/>
-              <a:t/>
-            </a:r>
             <a:br>
               <a:rPr lang="en-US" altLang="en-US" sz="2400"/>
             </a:br>
-            <a:r>
-              <a:rPr lang="en-US" altLang="en-US" sz="2400"/>
-              <a:t/>
-            </a:r>
             <a:br>
               <a:rPr lang="en-US" altLang="en-US" sz="2400"/>
             </a:br>
@@ -10230,10 +9750,6 @@
             <a:br>
               <a:rPr lang="en-US" altLang="en-US" sz="2400"/>
             </a:br>
-            <a:r>
-              <a:rPr lang="en-US" altLang="en-US" sz="2400"/>
-              <a:t/>
-            </a:r>
             <a:br>
               <a:rPr lang="en-US" altLang="en-US" sz="2400"/>
             </a:br>
@@ -10393,14 +9909,14 @@
           </a:ln>
           <a:extLst>
             <a:ext uri="{909E8E84-426E-40DD-AFC4-6F175D3DCCD1}">
-              <a14:hiddenFill xmlns:a14="http://schemas.microsoft.com/office/drawing/2010/main" xmlns="">
+              <a14:hiddenFill xmlns:a14="http://schemas.microsoft.com/office/drawing/2010/main">
                 <a:solidFill>
                   <a:srgbClr val="FFFFFF"/>
                 </a:solidFill>
               </a14:hiddenFill>
             </a:ext>
             <a:ext uri="{91240B29-F687-4F45-9708-019B960494DF}">
-              <a14:hiddenLine xmlns:a14="http://schemas.microsoft.com/office/drawing/2010/main" xmlns="" w="9525">
+              <a14:hiddenLine xmlns:a14="http://schemas.microsoft.com/office/drawing/2010/main" w="9525">
                 <a:solidFill>
                   <a:srgbClr val="000000"/>
                 </a:solidFill>
@@ -10668,7 +10184,7 @@
     </p:spTree>
     <p:extLst>
       <p:ext uri="{BB962C8B-B14F-4D97-AF65-F5344CB8AC3E}">
-        <p14:creationId xmlns:p14="http://schemas.microsoft.com/office/powerpoint/2010/main" xmlns="" val="1962011767"/>
+        <p14:creationId xmlns:p14="http://schemas.microsoft.com/office/powerpoint/2010/main" val="1962011767"/>
       </p:ext>
     </p:extLst>
   </p:cSld>
@@ -11216,7 +10732,7 @@
           <a:p>
             <a:pPr eaLnBrk="1" hangingPunct="1"/>
             <a:r>
-              <a:rPr lang="en-US" altLang="en-US" smtClean="0"/>
+              <a:rPr lang="en-US" altLang="en-US"/>
               <a:t>Problem</a:t>
             </a:r>
           </a:p>
@@ -11463,20 +10979,13 @@
     </p:spTree>
     <p:extLst>
       <p:ext uri="{BB962C8B-B14F-4D97-AF65-F5344CB8AC3E}">
-        <p14:creationId xmlns:p14="http://schemas.microsoft.com/office/powerpoint/2010/main" xmlns="" val="1194866662"/>
+        <p14:creationId xmlns:p14="http://schemas.microsoft.com/office/powerpoint/2010/main" val="1194866662"/>
       </p:ext>
     </p:extLst>
   </p:cSld>
   <p:clrMapOvr>
     <a:masterClrMapping/>
   </p:clrMapOvr>
-  <p:timing>
-    <p:tnLst>
-      <p:par>
-        <p:cTn id="1" dur="indefinite" restart="never" nodeType="tmRoot"/>
-      </p:par>
-    </p:tnLst>
-  </p:timing>
 </p:sld>
 </file>
 
@@ -11514,7 +11023,7 @@
           <a:p>
             <a:pPr eaLnBrk="1" hangingPunct="1"/>
             <a:r>
-              <a:rPr lang="en-US" altLang="en-US" smtClean="0"/>
+              <a:rPr lang="en-US" altLang="en-US"/>
               <a:t>Sources of cache Misses</a:t>
             </a:r>
           </a:p>
@@ -11537,54 +11046,47 @@
           <a:p>
             <a:pPr eaLnBrk="1" hangingPunct="1"/>
             <a:r>
-              <a:rPr lang="en-US" altLang="en-US" smtClean="0"/>
+              <a:rPr lang="en-US" altLang="en-US"/>
               <a:t>Compulsory Misses</a:t>
             </a:r>
           </a:p>
           <a:p>
             <a:pPr eaLnBrk="1" hangingPunct="1"/>
             <a:r>
-              <a:rPr lang="en-US" altLang="en-US" smtClean="0"/>
+              <a:rPr lang="en-US" altLang="en-US"/>
               <a:t>Capacity Misses</a:t>
             </a:r>
           </a:p>
           <a:p>
             <a:pPr eaLnBrk="1" hangingPunct="1"/>
             <a:r>
-              <a:rPr lang="en-US" altLang="en-US" smtClean="0"/>
+              <a:rPr lang="en-US" altLang="en-US"/>
               <a:t>Cold Misses</a:t>
             </a:r>
           </a:p>
           <a:p>
             <a:pPr eaLnBrk="1" hangingPunct="1"/>
             <a:r>
-              <a:rPr lang="en-US" altLang="en-US" smtClean="0"/>
+              <a:rPr lang="en-US" altLang="en-US"/>
               <a:t>Conflict Misses</a:t>
             </a:r>
           </a:p>
           <a:p>
             <a:pPr eaLnBrk="1" hangingPunct="1"/>
-            <a:endParaRPr lang="en-US" altLang="en-US" smtClean="0"/>
+            <a:endParaRPr lang="en-US" altLang="en-US"/>
           </a:p>
         </p:txBody>
       </p:sp>
     </p:spTree>
     <p:extLst>
       <p:ext uri="{BB962C8B-B14F-4D97-AF65-F5344CB8AC3E}">
-        <p14:creationId xmlns:p14="http://schemas.microsoft.com/office/powerpoint/2010/main" xmlns="" val="3959253324"/>
+        <p14:creationId xmlns:p14="http://schemas.microsoft.com/office/powerpoint/2010/main" val="3959253324"/>
       </p:ext>
     </p:extLst>
   </p:cSld>
   <p:clrMapOvr>
     <a:masterClrMapping/>
   </p:clrMapOvr>
-  <p:timing>
-    <p:tnLst>
-      <p:par>
-        <p:cTn id="1" dur="indefinite" restart="never" nodeType="tmRoot"/>
-      </p:par>
-    </p:tnLst>
-  </p:timing>
 </p:sld>
 </file>
 
@@ -11622,7 +11124,7 @@
           <a:p>
             <a:pPr eaLnBrk="1" hangingPunct="1"/>
             <a:r>
-              <a:rPr lang="en-US" altLang="en-US" smtClean="0"/>
+              <a:rPr lang="en-US" altLang="en-US"/>
               <a:t>Parameters of Cache Memory</a:t>
             </a:r>
           </a:p>
@@ -11645,21 +11147,21 @@
           <a:p>
             <a:pPr eaLnBrk="1" hangingPunct="1"/>
             <a:r>
-              <a:rPr lang="en-US" altLang="en-US" smtClean="0"/>
+              <a:rPr lang="en-US" altLang="en-US"/>
               <a:t>Time required for the cache miss depends on both the latency and bandwidth</a:t>
             </a:r>
           </a:p>
           <a:p>
             <a:pPr eaLnBrk="1" hangingPunct="1"/>
             <a:r>
-              <a:rPr lang="en-US" altLang="en-US" smtClean="0"/>
+              <a:rPr lang="en-US" altLang="en-US"/>
               <a:t>Latency – time to retrieve the first word of the block</a:t>
             </a:r>
           </a:p>
           <a:p>
             <a:pPr eaLnBrk="1" hangingPunct="1"/>
             <a:r>
-              <a:rPr lang="en-US" altLang="en-US" smtClean="0"/>
+              <a:rPr lang="en-US" altLang="en-US"/>
               <a:t>Bandwidth – time to retrieve the rest of this block</a:t>
             </a:r>
           </a:p>
@@ -11668,20 +11170,13 @@
     </p:spTree>
     <p:extLst>
       <p:ext uri="{BB962C8B-B14F-4D97-AF65-F5344CB8AC3E}">
-        <p14:creationId xmlns:p14="http://schemas.microsoft.com/office/powerpoint/2010/main" xmlns="" val="1141496526"/>
+        <p14:creationId xmlns:p14="http://schemas.microsoft.com/office/powerpoint/2010/main" val="1141496526"/>
       </p:ext>
     </p:extLst>
   </p:cSld>
   <p:clrMapOvr>
     <a:masterClrMapping/>
   </p:clrMapOvr>
-  <p:timing>
-    <p:tnLst>
-      <p:par>
-        <p:cTn id="1" dur="indefinite" restart="never" nodeType="tmRoot"/>
-      </p:par>
-    </p:tnLst>
-  </p:timing>
 </p:sld>
 </file>
 
@@ -11724,10 +11219,10 @@
           <a:p>
             <a:pPr eaLnBrk="1" hangingPunct="1"/>
             <a:r>
-              <a:rPr lang="en-US" altLang="en-US" b="1" smtClean="0"/>
+              <a:rPr lang="en-US" altLang="en-US" b="1"/>
               <a:t>Sources of Cache Misses</a:t>
             </a:r>
-            <a:endParaRPr lang="en-US" altLang="en-US" smtClean="0"/>
+            <a:endParaRPr lang="en-US" altLang="en-US"/>
           </a:p>
         </p:txBody>
       </p:sp>
@@ -11757,20 +11252,20 @@
               </a:lnSpc>
             </a:pPr>
             <a:r>
-              <a:rPr lang="en-US" altLang="en-US" b="1" smtClean="0">
+              <a:rPr lang="en-US" altLang="en-US" b="1">
                 <a:latin typeface="Times New Roman" panose="02020603050405020304" pitchFamily="18" charset="0"/>
                 <a:cs typeface="Times New Roman" panose="02020603050405020304" pitchFamily="18" charset="0"/>
               </a:rPr>
               <a:t>Compulsory Misses: </a:t>
             </a:r>
             <a:r>
-              <a:rPr lang="en-US" altLang="en-US" smtClean="0">
+              <a:rPr lang="en-US" altLang="en-US">
                 <a:latin typeface="Times New Roman" panose="02020603050405020304" pitchFamily="18" charset="0"/>
                 <a:cs typeface="Times New Roman" panose="02020603050405020304" pitchFamily="18" charset="0"/>
               </a:rPr>
               <a:t>These are misses that are caused by the cache being empty initially. </a:t>
             </a:r>
-            <a:endParaRPr lang="en-US" altLang="en-US" b="1" smtClean="0">
+            <a:endParaRPr lang="en-US" altLang="en-US" b="1">
               <a:latin typeface="Times New Roman" panose="02020603050405020304" pitchFamily="18" charset="0"/>
               <a:cs typeface="Times New Roman" panose="02020603050405020304" pitchFamily="18" charset="0"/>
             </a:endParaRPr>
@@ -11782,20 +11277,20 @@
               </a:lnSpc>
             </a:pPr>
             <a:r>
-              <a:rPr lang="en-US" altLang="en-US" b="1" smtClean="0">
+              <a:rPr lang="en-US" altLang="en-US" b="1">
                 <a:latin typeface="Times New Roman" panose="02020603050405020304" pitchFamily="18" charset="0"/>
                 <a:cs typeface="Times New Roman" panose="02020603050405020304" pitchFamily="18" charset="0"/>
               </a:rPr>
               <a:t>Cold Misses : </a:t>
             </a:r>
             <a:r>
-              <a:rPr lang="en-US" altLang="en-US" smtClean="0">
+              <a:rPr lang="en-US" altLang="en-US">
                 <a:latin typeface="Times New Roman" panose="02020603050405020304" pitchFamily="18" charset="0"/>
                 <a:cs typeface="Times New Roman" panose="02020603050405020304" pitchFamily="18" charset="0"/>
               </a:rPr>
               <a:t>The very first access to a block will result in a miss because the block is not brought into cache until it is referenced.</a:t>
             </a:r>
-            <a:endParaRPr lang="en-US" altLang="en-US" b="1" smtClean="0">
+            <a:endParaRPr lang="en-US" altLang="en-US" b="1">
               <a:latin typeface="Times New Roman" panose="02020603050405020304" pitchFamily="18" charset="0"/>
               <a:cs typeface="Times New Roman" panose="02020603050405020304" pitchFamily="18" charset="0"/>
             </a:endParaRPr>
@@ -11807,20 +11302,20 @@
               </a:lnSpc>
             </a:pPr>
             <a:r>
-              <a:rPr lang="en-US" altLang="en-US" b="1" smtClean="0">
+              <a:rPr lang="en-US" altLang="en-US" b="1">
                 <a:latin typeface="Times New Roman" panose="02020603050405020304" pitchFamily="18" charset="0"/>
                 <a:cs typeface="Times New Roman" panose="02020603050405020304" pitchFamily="18" charset="0"/>
               </a:rPr>
               <a:t>Capacity Misses : </a:t>
             </a:r>
             <a:r>
-              <a:rPr lang="en-US" altLang="en-US" smtClean="0">
+              <a:rPr lang="en-US" altLang="en-US">
                 <a:latin typeface="Times New Roman" panose="02020603050405020304" pitchFamily="18" charset="0"/>
                 <a:cs typeface="Times New Roman" panose="02020603050405020304" pitchFamily="18" charset="0"/>
               </a:rPr>
               <a:t>If the cache cannot contain all the blocks needed during the execution of a program, capacity misses will occur due to blocks being discarded and later retrieved.</a:t>
             </a:r>
-            <a:endParaRPr lang="en-US" altLang="en-US" b="1" smtClean="0">
+            <a:endParaRPr lang="en-US" altLang="en-US" b="1">
               <a:latin typeface="Times New Roman" panose="02020603050405020304" pitchFamily="18" charset="0"/>
               <a:cs typeface="Times New Roman" panose="02020603050405020304" pitchFamily="18" charset="0"/>
             </a:endParaRPr>
@@ -11832,14 +11327,14 @@
               </a:lnSpc>
             </a:pPr>
             <a:r>
-              <a:rPr lang="en-US" altLang="en-US" b="1" smtClean="0">
+              <a:rPr lang="en-US" altLang="en-US" b="1">
                 <a:latin typeface="Times New Roman" panose="02020603050405020304" pitchFamily="18" charset="0"/>
                 <a:cs typeface="Times New Roman" panose="02020603050405020304" pitchFamily="18" charset="0"/>
               </a:rPr>
               <a:t>Conflict Misses: </a:t>
             </a:r>
             <a:r>
-              <a:rPr lang="en-US" altLang="en-US" smtClean="0">
+              <a:rPr lang="en-US" altLang="en-US">
                 <a:latin typeface="Times New Roman" panose="02020603050405020304" pitchFamily="18" charset="0"/>
                 <a:cs typeface="Times New Roman" panose="02020603050405020304" pitchFamily="18" charset="0"/>
               </a:rPr>
@@ -11851,20 +11346,13 @@
     </p:spTree>
     <p:extLst>
       <p:ext uri="{BB962C8B-B14F-4D97-AF65-F5344CB8AC3E}">
-        <p14:creationId xmlns:p14="http://schemas.microsoft.com/office/powerpoint/2010/main" xmlns="" val="4180347699"/>
+        <p14:creationId xmlns:p14="http://schemas.microsoft.com/office/powerpoint/2010/main" val="4180347699"/>
       </p:ext>
     </p:extLst>
   </p:cSld>
   <p:clrMapOvr>
     <a:masterClrMapping/>
   </p:clrMapOvr>
-  <p:timing>
-    <p:tnLst>
-      <p:par>
-        <p:cTn id="1" dur="indefinite" restart="never" nodeType="tmRoot"/>
-      </p:par>
-    </p:tnLst>
-  </p:timing>
 </p:sld>
 </file>
 
@@ -11902,7 +11390,7 @@
           <a:p>
             <a:pPr eaLnBrk="1" hangingPunct="1"/>
             <a:r>
-              <a:rPr lang="en-US" altLang="en-US" smtClean="0"/>
+              <a:rPr lang="en-US" altLang="en-US"/>
               <a:t>Cache organization</a:t>
             </a:r>
           </a:p>
@@ -12020,20 +11508,13 @@
     </p:spTree>
     <p:extLst>
       <p:ext uri="{BB962C8B-B14F-4D97-AF65-F5344CB8AC3E}">
-        <p14:creationId xmlns:p14="http://schemas.microsoft.com/office/powerpoint/2010/main" xmlns="" val="998459279"/>
+        <p14:creationId xmlns:p14="http://schemas.microsoft.com/office/powerpoint/2010/main" val="998459279"/>
       </p:ext>
     </p:extLst>
   </p:cSld>
   <p:clrMapOvr>
     <a:masterClrMapping/>
   </p:clrMapOvr>
-  <p:timing>
-    <p:tnLst>
-      <p:par>
-        <p:cTn id="1" dur="indefinite" restart="never" nodeType="tmRoot"/>
-      </p:par>
-    </p:tnLst>
-  </p:timing>
 </p:sld>
 </file>
 
@@ -12071,7 +11552,7 @@
           <a:p>
             <a:pPr eaLnBrk="1" hangingPunct="1"/>
             <a:r>
-              <a:rPr lang="en-US" altLang="en-US" smtClean="0"/>
+              <a:rPr lang="en-US" altLang="en-US"/>
               <a:t>Multilevel caches</a:t>
             </a:r>
           </a:p>
@@ -12156,20 +11637,13 @@
     </p:spTree>
     <p:extLst>
       <p:ext uri="{BB962C8B-B14F-4D97-AF65-F5344CB8AC3E}">
-        <p14:creationId xmlns:p14="http://schemas.microsoft.com/office/powerpoint/2010/main" xmlns="" val="2264909182"/>
+        <p14:creationId xmlns:p14="http://schemas.microsoft.com/office/powerpoint/2010/main" val="2264909182"/>
       </p:ext>
     </p:extLst>
   </p:cSld>
   <p:clrMapOvr>
     <a:masterClrMapping/>
   </p:clrMapOvr>
-  <p:timing>
-    <p:tnLst>
-      <p:par>
-        <p:cTn id="1" dur="indefinite" restart="never" nodeType="tmRoot"/>
-      </p:par>
-    </p:tnLst>
-  </p:timing>
 </p:sld>
 </file>
 
@@ -12288,107 +11762,13 @@
     </p:spTree>
     <p:extLst>
       <p:ext uri="{BB962C8B-B14F-4D97-AF65-F5344CB8AC3E}">
-        <p14:creationId xmlns:p14="http://schemas.microsoft.com/office/powerpoint/2010/main" xmlns="" val="2830540458"/>
+        <p14:creationId xmlns:p14="http://schemas.microsoft.com/office/powerpoint/2010/main" val="2830540458"/>
       </p:ext>
     </p:extLst>
   </p:cSld>
   <p:clrMapOvr>
     <a:masterClrMapping/>
   </p:clrMapOvr>
-  <p:timing>
-    <p:tnLst>
-      <p:par>
-        <p:cTn id="1" dur="indefinite" restart="never" nodeType="tmRoot"/>
-      </p:par>
-    </p:tnLst>
-  </p:timing>
-</p:sld>
-</file>
-
-<file path=ppt/slides/slide24.xml><?xml version="1.0" encoding="utf-8"?>
-<p:sld xmlns:a="http://schemas.openxmlformats.org/drawingml/2006/main" xmlns:r="http://schemas.openxmlformats.org/officeDocument/2006/relationships" xmlns:p="http://schemas.openxmlformats.org/presentationml/2006/main">
-  <p:cSld>
-    <p:spTree>
-      <p:nvGrpSpPr>
-        <p:cNvPr id="1" name=""/>
-        <p:cNvGrpSpPr/>
-        <p:nvPr/>
-      </p:nvGrpSpPr>
-      <p:grpSpPr>
-        <a:xfrm>
-          <a:off x="0" y="0"/>
-          <a:ext cx="0" cy="0"/>
-          <a:chOff x="0" y="0"/>
-          <a:chExt cx="0" cy="0"/>
-        </a:xfrm>
-      </p:grpSpPr>
-      <p:sp>
-        <p:nvSpPr>
-          <p:cNvPr id="63490" name="Rectangle 2"/>
-          <p:cNvSpPr>
-            <a:spLocks noGrp="1" noChangeArrowheads="1"/>
-          </p:cNvSpPr>
-          <p:nvPr>
-            <p:ph type="title" idx="4294967295"/>
-          </p:nvPr>
-        </p:nvSpPr>
-        <p:spPr/>
-        <p:txBody>
-          <a:bodyPr/>
-          <a:lstStyle/>
-          <a:p>
-            <a:pPr eaLnBrk="1" hangingPunct="1"/>
-            <a:r>
-              <a:rPr lang="en-US" altLang="en-US" smtClean="0"/>
-              <a:t>References </a:t>
-            </a:r>
-          </a:p>
-        </p:txBody>
-      </p:sp>
-      <p:sp>
-        <p:nvSpPr>
-          <p:cNvPr id="63491" name="Rectangle 3"/>
-          <p:cNvSpPr>
-            <a:spLocks noGrp="1" noChangeArrowheads="1"/>
-          </p:cNvSpPr>
-          <p:nvPr>
-            <p:ph type="body" idx="4294967295"/>
-          </p:nvPr>
-        </p:nvSpPr>
-        <p:spPr/>
-        <p:txBody>
-          <a:bodyPr/>
-          <a:lstStyle/>
-          <a:p>
-            <a:pPr algn="just" eaLnBrk="1" hangingPunct="1"/>
-            <a:r>
-              <a:rPr lang="en-US" altLang="en-US" smtClean="0"/>
-              <a:t>J. L. Hennessy &amp; D.A. Patterson, Computer architecture: A quantitative approach, Fourth Edition, Morgan Kaufman, 2004.</a:t>
-            </a:r>
-          </a:p>
-          <a:p>
-            <a:pPr eaLnBrk="1" hangingPunct="1"/>
-            <a:endParaRPr lang="en-US" altLang="en-US" smtClean="0"/>
-          </a:p>
-        </p:txBody>
-      </p:sp>
-    </p:spTree>
-    <p:extLst>
-      <p:ext uri="{BB962C8B-B14F-4D97-AF65-F5344CB8AC3E}">
-        <p14:creationId xmlns:p14="http://schemas.microsoft.com/office/powerpoint/2010/main" xmlns="" val="4201196321"/>
-      </p:ext>
-    </p:extLst>
-  </p:cSld>
-  <p:clrMapOvr>
-    <a:masterClrMapping/>
-  </p:clrMapOvr>
-  <p:timing>
-    <p:tnLst>
-      <p:par>
-        <p:cTn id="1" dur="indefinite" restart="never" nodeType="tmRoot"/>
-      </p:par>
-    </p:tnLst>
-  </p:timing>
 </p:sld>
 </file>
 
@@ -12536,7 +11916,7 @@
           <a:blip r:embed="rId3">
             <a:extLst>
               <a:ext uri="{28A0092B-C50C-407E-A947-70E740481C1C}">
-                <a14:useLocalDpi xmlns:a14="http://schemas.microsoft.com/office/drawing/2010/main" xmlns="" val="0"/>
+                <a14:useLocalDpi xmlns:a14="http://schemas.microsoft.com/office/drawing/2010/main" val="0"/>
               </a:ext>
             </a:extLst>
           </a:blip>
@@ -12559,14 +11939,14 @@
           </a:ln>
           <a:extLst>
             <a:ext uri="{909E8E84-426E-40DD-AFC4-6F175D3DCCD1}">
-              <a14:hiddenFill xmlns:a14="http://schemas.microsoft.com/office/drawing/2010/main" xmlns="">
+              <a14:hiddenFill xmlns:a14="http://schemas.microsoft.com/office/drawing/2010/main">
                 <a:solidFill>
                   <a:srgbClr val="FFFFFF"/>
                 </a:solidFill>
               </a14:hiddenFill>
             </a:ext>
             <a:ext uri="{91240B29-F687-4F45-9708-019B960494DF}">
-              <a14:hiddenLine xmlns:a14="http://schemas.microsoft.com/office/drawing/2010/main" xmlns="" w="9525">
+              <a14:hiddenLine xmlns:a14="http://schemas.microsoft.com/office/drawing/2010/main" w="9525">
                 <a:solidFill>
                   <a:srgbClr val="000000"/>
                 </a:solidFill>
@@ -12581,20 +11961,13 @@
     </p:spTree>
     <p:extLst>
       <p:ext uri="{BB962C8B-B14F-4D97-AF65-F5344CB8AC3E}">
-        <p14:creationId xmlns:p14="http://schemas.microsoft.com/office/powerpoint/2010/main" xmlns="" val="673638037"/>
+        <p14:creationId xmlns:p14="http://schemas.microsoft.com/office/powerpoint/2010/main" val="673638037"/>
       </p:ext>
     </p:extLst>
   </p:cSld>
   <p:clrMapOvr>
     <a:masterClrMapping/>
   </p:clrMapOvr>
-  <p:timing>
-    <p:tnLst>
-      <p:par>
-        <p:cTn id="1" dur="indefinite" restart="never" nodeType="tmRoot"/>
-      </p:par>
-    </p:tnLst>
-  </p:timing>
 </p:sld>
 </file>
 
@@ -12794,7 +12167,7 @@
           <a:blip r:embed="rId3">
             <a:extLst>
               <a:ext uri="{28A0092B-C50C-407E-A947-70E740481C1C}">
-                <a14:useLocalDpi xmlns:a14="http://schemas.microsoft.com/office/drawing/2010/main" xmlns="" val="0"/>
+                <a14:useLocalDpi xmlns:a14="http://schemas.microsoft.com/office/drawing/2010/main" val="0"/>
               </a:ext>
             </a:extLst>
           </a:blip>
@@ -12817,14 +12190,14 @@
           </a:ln>
           <a:extLst>
             <a:ext uri="{909E8E84-426E-40DD-AFC4-6F175D3DCCD1}">
-              <a14:hiddenFill xmlns:a14="http://schemas.microsoft.com/office/drawing/2010/main" xmlns="">
+              <a14:hiddenFill xmlns:a14="http://schemas.microsoft.com/office/drawing/2010/main">
                 <a:solidFill>
                   <a:srgbClr val="FFFFFF"/>
                 </a:solidFill>
               </a14:hiddenFill>
             </a:ext>
             <a:ext uri="{91240B29-F687-4F45-9708-019B960494DF}">
-              <a14:hiddenLine xmlns:a14="http://schemas.microsoft.com/office/drawing/2010/main" xmlns="" w="9525">
+              <a14:hiddenLine xmlns:a14="http://schemas.microsoft.com/office/drawing/2010/main" w="9525">
                 <a:solidFill>
                   <a:srgbClr val="000000"/>
                 </a:solidFill>
@@ -12848,7 +12221,7 @@
           <a:blip r:embed="rId4">
             <a:extLst>
               <a:ext uri="{28A0092B-C50C-407E-A947-70E740481C1C}">
-                <a14:useLocalDpi xmlns:a14="http://schemas.microsoft.com/office/drawing/2010/main" xmlns="" val="0"/>
+                <a14:useLocalDpi xmlns:a14="http://schemas.microsoft.com/office/drawing/2010/main" val="0"/>
               </a:ext>
             </a:extLst>
           </a:blip>
@@ -12871,14 +12244,14 @@
           </a:ln>
           <a:extLst>
             <a:ext uri="{909E8E84-426E-40DD-AFC4-6F175D3DCCD1}">
-              <a14:hiddenFill xmlns:a14="http://schemas.microsoft.com/office/drawing/2010/main" xmlns="">
+              <a14:hiddenFill xmlns:a14="http://schemas.microsoft.com/office/drawing/2010/main">
                 <a:solidFill>
                   <a:srgbClr val="FFFFFF"/>
                 </a:solidFill>
               </a14:hiddenFill>
             </a:ext>
             <a:ext uri="{91240B29-F687-4F45-9708-019B960494DF}">
-              <a14:hiddenLine xmlns:a14="http://schemas.microsoft.com/office/drawing/2010/main" xmlns="" w="9525">
+              <a14:hiddenLine xmlns:a14="http://schemas.microsoft.com/office/drawing/2010/main" w="9525">
                 <a:solidFill>
                   <a:srgbClr val="000000"/>
                 </a:solidFill>
@@ -12893,20 +12266,13 @@
     </p:spTree>
     <p:extLst>
       <p:ext uri="{BB962C8B-B14F-4D97-AF65-F5344CB8AC3E}">
-        <p14:creationId xmlns:p14="http://schemas.microsoft.com/office/powerpoint/2010/main" xmlns="" val="999772643"/>
+        <p14:creationId xmlns:p14="http://schemas.microsoft.com/office/powerpoint/2010/main" val="999772643"/>
       </p:ext>
     </p:extLst>
   </p:cSld>
   <p:clrMapOvr>
     <a:masterClrMapping/>
   </p:clrMapOvr>
-  <p:timing>
-    <p:tnLst>
-      <p:par>
-        <p:cTn id="1" dur="indefinite" restart="never" nodeType="tmRoot"/>
-      </p:par>
-    </p:tnLst>
-  </p:timing>
 </p:sld>
 </file>
 
@@ -13011,20 +12377,13 @@
     </p:spTree>
     <p:extLst>
       <p:ext uri="{BB962C8B-B14F-4D97-AF65-F5344CB8AC3E}">
-        <p14:creationId xmlns:p14="http://schemas.microsoft.com/office/powerpoint/2010/main" xmlns="" val="2958581807"/>
+        <p14:creationId xmlns:p14="http://schemas.microsoft.com/office/powerpoint/2010/main" val="2958581807"/>
       </p:ext>
     </p:extLst>
   </p:cSld>
   <p:clrMapOvr>
     <a:masterClrMapping/>
   </p:clrMapOvr>
-  <p:timing>
-    <p:tnLst>
-      <p:par>
-        <p:cTn id="1" dur="indefinite" restart="never" nodeType="tmRoot"/>
-      </p:par>
-    </p:tnLst>
-  </p:timing>
 </p:sld>
 </file>
 
@@ -13073,57 +12432,9 @@
               </a:lnSpc>
             </a:pPr>
             <a:r>
-              <a:rPr lang="en-US" altLang="en-US" dirty="0" smtClean="0"/>
+              <a:rPr lang="en-US" altLang="en-US" dirty="0"/>
               <a:t>Tags within the block are same.</a:t>
             </a:r>
-          </a:p>
-          <a:p>
-            <a:pPr eaLnBrk="1" hangingPunct="1">
-              <a:lnSpc>
-                <a:spcPct val="90000"/>
-              </a:lnSpc>
-            </a:pPr>
-            <a:endParaRPr lang="en-US" altLang="en-US" dirty="0" smtClean="0"/>
-          </a:p>
-          <a:p>
-            <a:pPr eaLnBrk="1" hangingPunct="1">
-              <a:lnSpc>
-                <a:spcPct val="90000"/>
-              </a:lnSpc>
-            </a:pPr>
-            <a:endParaRPr lang="en-US" altLang="en-US" dirty="0" smtClean="0"/>
-          </a:p>
-          <a:p>
-            <a:pPr eaLnBrk="1" hangingPunct="1">
-              <a:lnSpc>
-                <a:spcPct val="90000"/>
-              </a:lnSpc>
-            </a:pPr>
-            <a:endParaRPr lang="en-US" altLang="en-US" dirty="0" smtClean="0"/>
-          </a:p>
-          <a:p>
-            <a:pPr eaLnBrk="1" hangingPunct="1">
-              <a:lnSpc>
-                <a:spcPct val="90000"/>
-              </a:lnSpc>
-            </a:pPr>
-            <a:endParaRPr lang="en-US" altLang="en-US" dirty="0" smtClean="0"/>
-          </a:p>
-          <a:p>
-            <a:pPr eaLnBrk="1" hangingPunct="1">
-              <a:lnSpc>
-                <a:spcPct val="90000"/>
-              </a:lnSpc>
-            </a:pPr>
-            <a:endParaRPr lang="en-US" altLang="en-US" dirty="0" smtClean="0"/>
-          </a:p>
-          <a:p>
-            <a:pPr eaLnBrk="1" hangingPunct="1">
-              <a:lnSpc>
-                <a:spcPct val="90000"/>
-              </a:lnSpc>
-            </a:pPr>
-            <a:endParaRPr lang="en-US" altLang="en-US" dirty="0" smtClean="0"/>
           </a:p>
           <a:p>
             <a:pPr eaLnBrk="1" hangingPunct="1">
@@ -13139,10 +12450,7 @@
                 <a:spcPct val="90000"/>
               </a:lnSpc>
             </a:pPr>
-            <a:r>
-              <a:rPr lang="en-US" altLang="en-US" dirty="0" smtClean="0"/>
-              <a:t>When a miss occurs, entire block is transferred from main memory to cache.</a:t>
-            </a:r>
+            <a:endParaRPr lang="en-US" altLang="en-US" dirty="0"/>
           </a:p>
           <a:p>
             <a:pPr eaLnBrk="1" hangingPunct="1">
@@ -13150,8 +12458,59 @@
                 <a:spcPct val="90000"/>
               </a:lnSpc>
             </a:pPr>
-            <a:r>
-              <a:rPr lang="en-US" altLang="en-US" dirty="0" smtClean="0"/>
+            <a:endParaRPr lang="en-US" altLang="en-US" dirty="0"/>
+          </a:p>
+          <a:p>
+            <a:pPr eaLnBrk="1" hangingPunct="1">
+              <a:lnSpc>
+                <a:spcPct val="90000"/>
+              </a:lnSpc>
+            </a:pPr>
+            <a:endParaRPr lang="en-US" altLang="en-US" dirty="0"/>
+          </a:p>
+          <a:p>
+            <a:pPr eaLnBrk="1" hangingPunct="1">
+              <a:lnSpc>
+                <a:spcPct val="90000"/>
+              </a:lnSpc>
+            </a:pPr>
+            <a:endParaRPr lang="en-US" altLang="en-US" dirty="0"/>
+          </a:p>
+          <a:p>
+            <a:pPr eaLnBrk="1" hangingPunct="1">
+              <a:lnSpc>
+                <a:spcPct val="90000"/>
+              </a:lnSpc>
+            </a:pPr>
+            <a:endParaRPr lang="en-US" altLang="en-US" dirty="0"/>
+          </a:p>
+          <a:p>
+            <a:pPr eaLnBrk="1" hangingPunct="1">
+              <a:lnSpc>
+                <a:spcPct val="90000"/>
+              </a:lnSpc>
+            </a:pPr>
+            <a:endParaRPr lang="en-US" altLang="en-US" dirty="0"/>
+          </a:p>
+          <a:p>
+            <a:pPr eaLnBrk="1" hangingPunct="1">
+              <a:lnSpc>
+                <a:spcPct val="90000"/>
+              </a:lnSpc>
+            </a:pPr>
+            <a:r>
+              <a:rPr lang="en-US" altLang="en-US" dirty="0"/>
+              <a:t>When a miss occurs, entire block is transferred from main memory to cache.</a:t>
+            </a:r>
+          </a:p>
+          <a:p>
+            <a:pPr eaLnBrk="1" hangingPunct="1">
+              <a:lnSpc>
+                <a:spcPct val="90000"/>
+              </a:lnSpc>
+            </a:pPr>
+            <a:r>
+              <a:rPr lang="en-US" altLang="en-US" dirty="0"/>
               <a:t>It is time consuming but improves hit ratio because of the sequential nature of programs.</a:t>
             </a:r>
           </a:p>
@@ -13169,7 +12528,7 @@
           <a:blip r:embed="rId3">
             <a:extLst>
               <a:ext uri="{28A0092B-C50C-407E-A947-70E740481C1C}">
-                <a14:useLocalDpi xmlns:a14="http://schemas.microsoft.com/office/drawing/2010/main" xmlns="" val="0"/>
+                <a14:useLocalDpi xmlns:a14="http://schemas.microsoft.com/office/drawing/2010/main" val="0"/>
               </a:ext>
             </a:extLst>
           </a:blip>
@@ -13192,14 +12551,14 @@
           </a:ln>
           <a:extLst>
             <a:ext uri="{909E8E84-426E-40DD-AFC4-6F175D3DCCD1}">
-              <a14:hiddenFill xmlns:a14="http://schemas.microsoft.com/office/drawing/2010/main" xmlns="">
+              <a14:hiddenFill xmlns:a14="http://schemas.microsoft.com/office/drawing/2010/main">
                 <a:solidFill>
                   <a:srgbClr val="FFFFFF"/>
                 </a:solidFill>
               </a14:hiddenFill>
             </a:ext>
             <a:ext uri="{91240B29-F687-4F45-9708-019B960494DF}">
-              <a14:hiddenLine xmlns:a14="http://schemas.microsoft.com/office/drawing/2010/main" xmlns="" w="9525">
+              <a14:hiddenLine xmlns:a14="http://schemas.microsoft.com/office/drawing/2010/main" w="9525">
                 <a:solidFill>
                   <a:srgbClr val="000000"/>
                 </a:solidFill>
@@ -13214,20 +12573,13 @@
     </p:spTree>
     <p:extLst>
       <p:ext uri="{BB962C8B-B14F-4D97-AF65-F5344CB8AC3E}">
-        <p14:creationId xmlns:p14="http://schemas.microsoft.com/office/powerpoint/2010/main" xmlns="" val="3804545339"/>
+        <p14:creationId xmlns:p14="http://schemas.microsoft.com/office/powerpoint/2010/main" val="3804545339"/>
       </p:ext>
     </p:extLst>
   </p:cSld>
   <p:clrMapOvr>
     <a:masterClrMapping/>
   </p:clrMapOvr>
-  <p:timing>
-    <p:tnLst>
-      <p:par>
-        <p:cTn id="1" dur="indefinite" restart="never" nodeType="tmRoot"/>
-      </p:par>
-    </p:tnLst>
-  </p:timing>
 </p:sld>
 </file>
 
@@ -13265,7 +12617,7 @@
           <a:p>
             <a:pPr eaLnBrk="1" hangingPunct="1"/>
             <a:r>
-              <a:rPr lang="en-US" altLang="en-US" smtClean="0"/>
+              <a:rPr lang="en-US" altLang="en-US"/>
               <a:t>Set-Associative Mapping</a:t>
             </a:r>
           </a:p>
@@ -13293,28 +12645,21 @@
           <a:p>
             <a:pPr eaLnBrk="1" hangingPunct="1"/>
             <a:r>
-              <a:rPr lang="en-US" altLang="en-US" dirty="0" smtClean="0"/>
+              <a:rPr lang="en-US" altLang="en-US" dirty="0"/>
               <a:t>Each word of cache can store 2 or more words of memory under the same index address</a:t>
             </a:r>
           </a:p>
           <a:p>
             <a:pPr eaLnBrk="1" hangingPunct="1"/>
-            <a:endParaRPr lang="en-US" altLang="en-US" dirty="0" smtClean="0"/>
+            <a:endParaRPr lang="en-US" altLang="en-US" dirty="0"/>
           </a:p>
           <a:p>
             <a:pPr eaLnBrk="1" hangingPunct="1"/>
-            <a:endParaRPr lang="en-US" altLang="en-US" dirty="0" smtClean="0"/>
+            <a:endParaRPr lang="en-US" altLang="en-US" dirty="0"/>
           </a:p>
           <a:p>
             <a:pPr eaLnBrk="1" hangingPunct="1"/>
-            <a:endParaRPr lang="en-US" altLang="en-US" dirty="0" smtClean="0"/>
-          </a:p>
-          <a:p>
-            <a:pPr eaLnBrk="1" hangingPunct="1">
-              <a:buFontTx/>
-              <a:buNone/>
-            </a:pPr>
-            <a:endParaRPr lang="en-US" altLang="en-US" dirty="0" smtClean="0"/>
+            <a:endParaRPr lang="en-US" altLang="en-US" dirty="0"/>
           </a:p>
           <a:p>
             <a:pPr eaLnBrk="1" hangingPunct="1">
@@ -13328,8 +12673,15 @@
               <a:buFontTx/>
               <a:buNone/>
             </a:pPr>
-            <a:r>
-              <a:rPr lang="en-US" altLang="en-US" dirty="0" smtClean="0"/>
+            <a:endParaRPr lang="en-US" altLang="en-US" dirty="0"/>
+          </a:p>
+          <a:p>
+            <a:pPr eaLnBrk="1" hangingPunct="1">
+              <a:buFontTx/>
+              <a:buNone/>
+            </a:pPr>
+            <a:r>
+              <a:rPr lang="en-US" altLang="en-US" dirty="0"/>
               <a:t>The comparison logic is done by an associative search of the tags in the set similar to an associative memory search, thus the name “Set-Associative”</a:t>
             </a:r>
           </a:p>
@@ -13347,7 +12699,7 @@
           <a:blip r:embed="rId3">
             <a:extLst>
               <a:ext uri="{28A0092B-C50C-407E-A947-70E740481C1C}">
-                <a14:useLocalDpi xmlns:a14="http://schemas.microsoft.com/office/drawing/2010/main" xmlns="" val="0"/>
+                <a14:useLocalDpi xmlns:a14="http://schemas.microsoft.com/office/drawing/2010/main" val="0"/>
               </a:ext>
             </a:extLst>
           </a:blip>
@@ -13370,14 +12722,14 @@
           </a:ln>
           <a:extLst>
             <a:ext uri="{909E8E84-426E-40DD-AFC4-6F175D3DCCD1}">
-              <a14:hiddenFill xmlns:a14="http://schemas.microsoft.com/office/drawing/2010/main" xmlns="">
+              <a14:hiddenFill xmlns:a14="http://schemas.microsoft.com/office/drawing/2010/main">
                 <a:solidFill>
                   <a:srgbClr val="FFFFFF"/>
                 </a:solidFill>
               </a14:hiddenFill>
             </a:ext>
             <a:ext uri="{91240B29-F687-4F45-9708-019B960494DF}">
-              <a14:hiddenLine xmlns:a14="http://schemas.microsoft.com/office/drawing/2010/main" xmlns="" w="9525">
+              <a14:hiddenLine xmlns:a14="http://schemas.microsoft.com/office/drawing/2010/main" w="9525">
                 <a:solidFill>
                   <a:srgbClr val="000000"/>
                 </a:solidFill>
@@ -13392,20 +12744,13 @@
     </p:spTree>
     <p:extLst>
       <p:ext uri="{BB962C8B-B14F-4D97-AF65-F5344CB8AC3E}">
-        <p14:creationId xmlns:p14="http://schemas.microsoft.com/office/powerpoint/2010/main" xmlns="" val="382778236"/>
+        <p14:creationId xmlns:p14="http://schemas.microsoft.com/office/powerpoint/2010/main" val="382778236"/>
       </p:ext>
     </p:extLst>
   </p:cSld>
   <p:clrMapOvr>
     <a:masterClrMapping/>
   </p:clrMapOvr>
-  <p:timing>
-    <p:tnLst>
-      <p:par>
-        <p:cTn id="1" dur="indefinite" restart="never" nodeType="tmRoot"/>
-      </p:par>
-    </p:tnLst>
-  </p:timing>
 </p:sld>
 </file>
 
@@ -13442,7 +12787,7 @@
           <a:lstStyle/>
           <a:p>
             <a:pPr eaLnBrk="1" hangingPunct="1"/>
-            <a:endParaRPr lang="en-US" altLang="en-US" smtClean="0"/>
+            <a:endParaRPr lang="en-US" altLang="en-US"/>
           </a:p>
         </p:txBody>
       </p:sp>
@@ -13463,14 +12808,14 @@
           <a:p>
             <a:pPr eaLnBrk="1" hangingPunct="1"/>
             <a:r>
-              <a:rPr lang="en-US" altLang="en-US" smtClean="0"/>
+              <a:rPr lang="en-US" altLang="en-US"/>
               <a:t>Hit ratio increases as the set size increases but more complex comparison logic is required when number of bits in words of cache increases</a:t>
             </a:r>
           </a:p>
           <a:p>
             <a:pPr eaLnBrk="1" hangingPunct="1"/>
             <a:r>
-              <a:rPr lang="en-US" altLang="en-US" smtClean="0"/>
+              <a:rPr lang="en-US" altLang="en-US"/>
               <a:t>When a miss occurs and set is full, one of tag-data items are replaced using block replacement policy</a:t>
             </a:r>
           </a:p>
@@ -13479,20 +12824,13 @@
     </p:spTree>
     <p:extLst>
       <p:ext uri="{BB962C8B-B14F-4D97-AF65-F5344CB8AC3E}">
-        <p14:creationId xmlns:p14="http://schemas.microsoft.com/office/powerpoint/2010/main" xmlns="" val="3887850949"/>
+        <p14:creationId xmlns:p14="http://schemas.microsoft.com/office/powerpoint/2010/main" val="3887850949"/>
       </p:ext>
     </p:extLst>
   </p:cSld>
   <p:clrMapOvr>
     <a:masterClrMapping/>
   </p:clrMapOvr>
-  <p:timing>
-    <p:tnLst>
-      <p:par>
-        <p:cTn id="1" dur="indefinite" restart="never" nodeType="tmRoot"/>
-      </p:par>
-    </p:tnLst>
-  </p:timing>
 </p:sld>
 </file>
 
@@ -13530,7 +12868,7 @@
           <a:p>
             <a:pPr eaLnBrk="1" hangingPunct="1"/>
             <a:r>
-              <a:rPr lang="en-US" altLang="en-US" smtClean="0"/>
+              <a:rPr lang="en-US" altLang="en-US"/>
               <a:t>Problems </a:t>
             </a:r>
           </a:p>
@@ -13571,7 +12909,7 @@
           <a:blip r:embed="rId2">
             <a:extLst>
               <a:ext uri="{28A0092B-C50C-407E-A947-70E740481C1C}">
-                <a14:useLocalDpi xmlns:a14="http://schemas.microsoft.com/office/drawing/2010/main" xmlns="" val="0"/>
+                <a14:useLocalDpi xmlns:a14="http://schemas.microsoft.com/office/drawing/2010/main" val="0"/>
               </a:ext>
             </a:extLst>
           </a:blip>
@@ -13594,14 +12932,14 @@
           </a:ln>
           <a:extLst>
             <a:ext uri="{909E8E84-426E-40DD-AFC4-6F175D3DCCD1}">
-              <a14:hiddenFill xmlns:a14="http://schemas.microsoft.com/office/drawing/2010/main" xmlns="">
+              <a14:hiddenFill xmlns:a14="http://schemas.microsoft.com/office/drawing/2010/main">
                 <a:solidFill>
                   <a:srgbClr val="FFFFFF"/>
                 </a:solidFill>
               </a14:hiddenFill>
             </a:ext>
             <a:ext uri="{91240B29-F687-4F45-9708-019B960494DF}">
-              <a14:hiddenLine xmlns:a14="http://schemas.microsoft.com/office/drawing/2010/main" xmlns="" w="9525">
+              <a14:hiddenLine xmlns:a14="http://schemas.microsoft.com/office/drawing/2010/main" w="9525">
                 <a:solidFill>
                   <a:srgbClr val="000000"/>
                 </a:solidFill>
@@ -13616,7 +12954,7 @@
     </p:spTree>
     <p:extLst>
       <p:ext uri="{BB962C8B-B14F-4D97-AF65-F5344CB8AC3E}">
-        <p14:creationId xmlns:p14="http://schemas.microsoft.com/office/powerpoint/2010/main" xmlns="" val="2779907163"/>
+        <p14:creationId xmlns:p14="http://schemas.microsoft.com/office/powerpoint/2010/main" val="2779907163"/>
       </p:ext>
     </p:extLst>
   </p:cSld>
@@ -13956,7 +13294,7 @@
   <a:extraClrSchemeLst/>
   <a:extLst>
     <a:ext uri="{05A4C25C-085E-4340-85A3-A5531E510DB2}">
-      <thm15:themeFamily xmlns:thm15="http://schemas.microsoft.com/office/thememl/2012/main" xmlns="" name="Office Theme" id="{62F939B6-93AF-4DB8-9C6B-D6C7DFDC589F}" vid="{4A3C46E8-61CC-4603-A589-7422A47A8E4A}"/>
+      <thm15:themeFamily xmlns:thm15="http://schemas.microsoft.com/office/thememl/2012/main" name="Office Theme" id="{62F939B6-93AF-4DB8-9C6B-D6C7DFDC589F}" vid="{4A3C46E8-61CC-4603-A589-7422A47A8E4A}"/>
     </a:ext>
   </a:extLst>
 </a:theme>
@@ -14217,7 +13555,7 @@
   <a:extraClrSchemeLst/>
   <a:extLst>
     <a:ext uri="{05A4C25C-085E-4340-85A3-A5531E510DB2}">
-      <thm15:themeFamily xmlns:thm15="http://schemas.microsoft.com/office/thememl/2012/main" xmlns="" name="Office Theme" id="{62F939B6-93AF-4DB8-9C6B-D6C7DFDC589F}" vid="{4A3C46E8-61CC-4603-A589-7422A47A8E4A}"/>
+      <thm15:themeFamily xmlns:thm15="http://schemas.microsoft.com/office/thememl/2012/main" name="Office Theme" id="{62F939B6-93AF-4DB8-9C6B-D6C7DFDC589F}" vid="{4A3C46E8-61CC-4603-A589-7422A47A8E4A}"/>
     </a:ext>
   </a:extLst>
 </a:theme>
